--- a/materials/slides/ch06-install-and-uninstall-software.pptx
+++ b/materials/slides/ch06-install-and-uninstall-software.pptx
@@ -274,7 +274,7 @@
           <a:p>
             <a:fld id="{02E60DA2-A0BC-48C9-AA88-75C78721B420}" type="datetimeFigureOut">
               <a:rPr lang="zh-CN" altLang="en-US" smtClean="0"/>
-              <a:t>2018/2/27</a:t>
+              <a:t>2018/3/3</a:t>
             </a:fld>
             <a:endParaRPr lang="zh-CN" altLang="en-US"/>
           </a:p>
@@ -496,7 +496,7 @@
           <a:p>
             <a:fld id="{02E60DA2-A0BC-48C9-AA88-75C78721B420}" type="datetimeFigureOut">
               <a:rPr lang="zh-CN" altLang="en-US" smtClean="0"/>
-              <a:t>2018/2/27</a:t>
+              <a:t>2018/3/3</a:t>
             </a:fld>
             <a:endParaRPr lang="zh-CN" altLang="en-US"/>
           </a:p>
@@ -728,7 +728,7 @@
           <a:p>
             <a:fld id="{02E60DA2-A0BC-48C9-AA88-75C78721B420}" type="datetimeFigureOut">
               <a:rPr lang="zh-CN" altLang="en-US" smtClean="0"/>
-              <a:t>2018/2/27</a:t>
+              <a:t>2018/3/3</a:t>
             </a:fld>
             <a:endParaRPr lang="zh-CN" altLang="en-US"/>
           </a:p>
@@ -978,7 +978,7 @@
           <a:p>
             <a:fld id="{02E60DA2-A0BC-48C9-AA88-75C78721B420}" type="datetimeFigureOut">
               <a:rPr lang="zh-CN" altLang="en-US" smtClean="0"/>
-              <a:t>2018/2/27</a:t>
+              <a:t>2018/3/3</a:t>
             </a:fld>
             <a:endParaRPr lang="zh-CN" altLang="en-US"/>
           </a:p>
@@ -1216,7 +1216,7 @@
           <a:p>
             <a:fld id="{02E60DA2-A0BC-48C9-AA88-75C78721B420}" type="datetimeFigureOut">
               <a:rPr lang="zh-CN" altLang="en-US" smtClean="0"/>
-              <a:t>2018/2/27</a:t>
+              <a:t>2018/3/3</a:t>
             </a:fld>
             <a:endParaRPr lang="zh-CN" altLang="en-US"/>
           </a:p>
@@ -1521,7 +1521,7 @@
           <a:p>
             <a:fld id="{02E60DA2-A0BC-48C9-AA88-75C78721B420}" type="datetimeFigureOut">
               <a:rPr lang="zh-CN" altLang="en-US" smtClean="0"/>
-              <a:t>2018/2/27</a:t>
+              <a:t>2018/3/3</a:t>
             </a:fld>
             <a:endParaRPr lang="zh-CN" altLang="en-US"/>
           </a:p>
@@ -1824,7 +1824,7 @@
           <a:p>
             <a:fld id="{02E60DA2-A0BC-48C9-AA88-75C78721B420}" type="datetimeFigureOut">
               <a:rPr lang="zh-CN" altLang="en-US" smtClean="0"/>
-              <a:t>2018/2/27</a:t>
+              <a:t>2018/3/3</a:t>
             </a:fld>
             <a:endParaRPr lang="zh-CN" altLang="en-US"/>
           </a:p>
@@ -2275,7 +2275,7 @@
           <a:p>
             <a:fld id="{02E60DA2-A0BC-48C9-AA88-75C78721B420}" type="datetimeFigureOut">
               <a:rPr lang="zh-CN" altLang="en-US" smtClean="0"/>
-              <a:t>2018/2/27</a:t>
+              <a:t>2018/3/3</a:t>
             </a:fld>
             <a:endParaRPr lang="zh-CN" altLang="en-US"/>
           </a:p>
@@ -2448,7 +2448,7 @@
           <a:p>
             <a:fld id="{02E60DA2-A0BC-48C9-AA88-75C78721B420}" type="datetimeFigureOut">
               <a:rPr lang="zh-CN" altLang="en-US" smtClean="0"/>
-              <a:t>2018/2/27</a:t>
+              <a:t>2018/3/3</a:t>
             </a:fld>
             <a:endParaRPr lang="zh-CN" altLang="en-US"/>
           </a:p>
@@ -2585,7 +2585,7 @@
           <a:p>
             <a:fld id="{02E60DA2-A0BC-48C9-AA88-75C78721B420}" type="datetimeFigureOut">
               <a:rPr lang="zh-CN" altLang="en-US" smtClean="0"/>
-              <a:t>2018/2/27</a:t>
+              <a:t>2018/3/3</a:t>
             </a:fld>
             <a:endParaRPr lang="zh-CN" altLang="en-US"/>
           </a:p>
@@ -2929,7 +2929,7 @@
           <a:p>
             <a:fld id="{02E60DA2-A0BC-48C9-AA88-75C78721B420}" type="datetimeFigureOut">
               <a:rPr lang="zh-CN" altLang="en-US" smtClean="0"/>
-              <a:t>2018/2/27</a:t>
+              <a:t>2018/3/3</a:t>
             </a:fld>
             <a:endParaRPr lang="zh-CN" altLang="en-US"/>
           </a:p>
@@ -3151,7 +3151,7 @@
           <a:p>
             <a:fld id="{02E60DA2-A0BC-48C9-AA88-75C78721B420}" type="datetimeFigureOut">
               <a:rPr lang="zh-CN" altLang="en-US" smtClean="0"/>
-              <a:t>2018/2/27</a:t>
+              <a:t>2018/3/3</a:t>
             </a:fld>
             <a:endParaRPr lang="zh-CN" altLang="en-US"/>
           </a:p>
@@ -3472,7 +3472,7 @@
           <a:p>
             <a:fld id="{02E60DA2-A0BC-48C9-AA88-75C78721B420}" type="datetimeFigureOut">
               <a:rPr lang="zh-CN" altLang="en-US" smtClean="0"/>
-              <a:t>2018/2/27</a:t>
+              <a:t>2018/3/3</a:t>
             </a:fld>
             <a:endParaRPr lang="zh-CN" altLang="en-US"/>
           </a:p>
@@ -3710,7 +3710,7 @@
           <a:p>
             <a:fld id="{02E60DA2-A0BC-48C9-AA88-75C78721B420}" type="datetimeFigureOut">
               <a:rPr lang="zh-CN" altLang="en-US" smtClean="0"/>
-              <a:t>2018/2/27</a:t>
+              <a:t>2018/3/3</a:t>
             </a:fld>
             <a:endParaRPr lang="zh-CN" altLang="en-US"/>
           </a:p>
@@ -3948,7 +3948,7 @@
           <a:p>
             <a:fld id="{02E60DA2-A0BC-48C9-AA88-75C78721B420}" type="datetimeFigureOut">
               <a:rPr lang="zh-CN" altLang="en-US" smtClean="0"/>
-              <a:t>2018/2/27</a:t>
+              <a:t>2018/3/3</a:t>
             </a:fld>
             <a:endParaRPr lang="zh-CN" altLang="en-US"/>
           </a:p>
@@ -4247,7 +4247,7 @@
           <a:p>
             <a:fld id="{02E60DA2-A0BC-48C9-AA88-75C78721B420}" type="datetimeFigureOut">
               <a:rPr lang="zh-CN" altLang="en-US" smtClean="0"/>
-              <a:t>2018/2/27</a:t>
+              <a:t>2018/3/3</a:t>
             </a:fld>
             <a:endParaRPr lang="zh-CN" altLang="en-US"/>
           </a:p>
@@ -4536,7 +4536,7 @@
           <a:p>
             <a:fld id="{02E60DA2-A0BC-48C9-AA88-75C78721B420}" type="datetimeFigureOut">
               <a:rPr lang="zh-CN" altLang="en-US" smtClean="0"/>
-              <a:t>2018/2/27</a:t>
+              <a:t>2018/3/3</a:t>
             </a:fld>
             <a:endParaRPr lang="zh-CN" altLang="en-US"/>
           </a:p>
@@ -4972,7 +4972,7 @@
           <a:p>
             <a:fld id="{02E60DA2-A0BC-48C9-AA88-75C78721B420}" type="datetimeFigureOut">
               <a:rPr lang="zh-CN" altLang="en-US" smtClean="0"/>
-              <a:t>2018/2/27</a:t>
+              <a:t>2018/3/3</a:t>
             </a:fld>
             <a:endParaRPr lang="zh-CN" altLang="en-US"/>
           </a:p>
@@ -5137,7 +5137,7 @@
           <a:p>
             <a:fld id="{02E60DA2-A0BC-48C9-AA88-75C78721B420}" type="datetimeFigureOut">
               <a:rPr lang="zh-CN" altLang="en-US" smtClean="0"/>
-              <a:t>2018/2/27</a:t>
+              <a:t>2018/3/3</a:t>
             </a:fld>
             <a:endParaRPr lang="zh-CN" altLang="en-US"/>
           </a:p>
@@ -5274,7 +5274,7 @@
           <a:p>
             <a:fld id="{02E60DA2-A0BC-48C9-AA88-75C78721B420}" type="datetimeFigureOut">
               <a:rPr lang="zh-CN" altLang="en-US" smtClean="0"/>
-              <a:t>2018/2/27</a:t>
+              <a:t>2018/3/3</a:t>
             </a:fld>
             <a:endParaRPr lang="zh-CN" altLang="en-US"/>
           </a:p>
@@ -5609,7 +5609,7 @@
           <a:p>
             <a:fld id="{02E60DA2-A0BC-48C9-AA88-75C78721B420}" type="datetimeFigureOut">
               <a:rPr lang="zh-CN" altLang="en-US" smtClean="0"/>
-              <a:t>2018/2/27</a:t>
+              <a:t>2018/3/3</a:t>
             </a:fld>
             <a:endParaRPr lang="zh-CN" altLang="en-US"/>
           </a:p>
@@ -5921,7 +5921,7 @@
           <a:p>
             <a:fld id="{02E60DA2-A0BC-48C9-AA88-75C78721B420}" type="datetimeFigureOut">
               <a:rPr lang="zh-CN" altLang="en-US" smtClean="0"/>
-              <a:t>2018/2/27</a:t>
+              <a:t>2018/3/3</a:t>
             </a:fld>
             <a:endParaRPr lang="zh-CN" altLang="en-US"/>
           </a:p>
@@ -7068,27 +7068,23 @@
           <a:lstStyle/>
           <a:p>
             <a:r>
-              <a:rPr lang="zh-CN" altLang="en-US" sz="3600">
+              <a:rPr lang="zh-CN" altLang="en-US" sz="3600" dirty="0">
                 <a:solidFill>
-                  <a:schemeClr val="tx2">
-                    <a:lumMod val="50000"/>
+                  <a:schemeClr val="tx1">
+                    <a:lumMod val="95000"/>
+                    <a:lumOff val="5000"/>
                   </a:schemeClr>
                 </a:solidFill>
               </a:rPr>
-              <a:t>第六讲 </a:t>
-            </a:r>
-            <a:r>
-              <a:rPr lang="zh-CN" altLang="en-US" sz="3600" dirty="0">
-                <a:solidFill>
-                  <a:srgbClr val="C00000"/>
-                </a:solidFill>
-              </a:rPr>
-              <a:t>安装</a:t>
+              <a:t>第六讲 安装</a:t>
             </a:r>
             <a:r>
               <a:rPr lang="en-US" altLang="zh-CN" sz="3600" dirty="0">
                 <a:solidFill>
-                  <a:srgbClr val="C00000"/>
+                  <a:schemeClr val="tx1">
+                    <a:lumMod val="95000"/>
+                    <a:lumOff val="5000"/>
+                  </a:schemeClr>
                 </a:solidFill>
               </a:rPr>
               <a:t>/</a:t>
@@ -7096,7 +7092,10 @@
             <a:r>
               <a:rPr lang="zh-CN" altLang="en-US" sz="3600" dirty="0">
                 <a:solidFill>
-                  <a:srgbClr val="C00000"/>
+                  <a:schemeClr val="tx1">
+                    <a:lumMod val="95000"/>
+                    <a:lumOff val="5000"/>
+                  </a:schemeClr>
                 </a:solidFill>
               </a:rPr>
               <a:t>卸载软件</a:t>

--- a/materials/slides/ch06-install-and-uninstall-software.pptx
+++ b/materials/slides/ch06-install-and-uninstall-software.pptx
@@ -274,7 +274,7 @@
           <a:p>
             <a:fld id="{02E60DA2-A0BC-48C9-AA88-75C78721B420}" type="datetimeFigureOut">
               <a:rPr lang="zh-CN" altLang="en-US" smtClean="0"/>
-              <a:t>2018/3/3</a:t>
+              <a:t>2018/3/25</a:t>
             </a:fld>
             <a:endParaRPr lang="zh-CN" altLang="en-US"/>
           </a:p>
@@ -496,7 +496,7 @@
           <a:p>
             <a:fld id="{02E60DA2-A0BC-48C9-AA88-75C78721B420}" type="datetimeFigureOut">
               <a:rPr lang="zh-CN" altLang="en-US" smtClean="0"/>
-              <a:t>2018/3/3</a:t>
+              <a:t>2018/3/25</a:t>
             </a:fld>
             <a:endParaRPr lang="zh-CN" altLang="en-US"/>
           </a:p>
@@ -728,7 +728,7 @@
           <a:p>
             <a:fld id="{02E60DA2-A0BC-48C9-AA88-75C78721B420}" type="datetimeFigureOut">
               <a:rPr lang="zh-CN" altLang="en-US" smtClean="0"/>
-              <a:t>2018/3/3</a:t>
+              <a:t>2018/3/25</a:t>
             </a:fld>
             <a:endParaRPr lang="zh-CN" altLang="en-US"/>
           </a:p>
@@ -978,7 +978,7 @@
           <a:p>
             <a:fld id="{02E60DA2-A0BC-48C9-AA88-75C78721B420}" type="datetimeFigureOut">
               <a:rPr lang="zh-CN" altLang="en-US" smtClean="0"/>
-              <a:t>2018/3/3</a:t>
+              <a:t>2018/3/25</a:t>
             </a:fld>
             <a:endParaRPr lang="zh-CN" altLang="en-US"/>
           </a:p>
@@ -1216,7 +1216,7 @@
           <a:p>
             <a:fld id="{02E60DA2-A0BC-48C9-AA88-75C78721B420}" type="datetimeFigureOut">
               <a:rPr lang="zh-CN" altLang="en-US" smtClean="0"/>
-              <a:t>2018/3/3</a:t>
+              <a:t>2018/3/25</a:t>
             </a:fld>
             <a:endParaRPr lang="zh-CN" altLang="en-US"/>
           </a:p>
@@ -1521,7 +1521,7 @@
           <a:p>
             <a:fld id="{02E60DA2-A0BC-48C9-AA88-75C78721B420}" type="datetimeFigureOut">
               <a:rPr lang="zh-CN" altLang="en-US" smtClean="0"/>
-              <a:t>2018/3/3</a:t>
+              <a:t>2018/3/25</a:t>
             </a:fld>
             <a:endParaRPr lang="zh-CN" altLang="en-US"/>
           </a:p>
@@ -1824,7 +1824,7 @@
           <a:p>
             <a:fld id="{02E60DA2-A0BC-48C9-AA88-75C78721B420}" type="datetimeFigureOut">
               <a:rPr lang="zh-CN" altLang="en-US" smtClean="0"/>
-              <a:t>2018/3/3</a:t>
+              <a:t>2018/3/25</a:t>
             </a:fld>
             <a:endParaRPr lang="zh-CN" altLang="en-US"/>
           </a:p>
@@ -2275,7 +2275,7 @@
           <a:p>
             <a:fld id="{02E60DA2-A0BC-48C9-AA88-75C78721B420}" type="datetimeFigureOut">
               <a:rPr lang="zh-CN" altLang="en-US" smtClean="0"/>
-              <a:t>2018/3/3</a:t>
+              <a:t>2018/3/25</a:t>
             </a:fld>
             <a:endParaRPr lang="zh-CN" altLang="en-US"/>
           </a:p>
@@ -2448,7 +2448,7 @@
           <a:p>
             <a:fld id="{02E60DA2-A0BC-48C9-AA88-75C78721B420}" type="datetimeFigureOut">
               <a:rPr lang="zh-CN" altLang="en-US" smtClean="0"/>
-              <a:t>2018/3/3</a:t>
+              <a:t>2018/3/25</a:t>
             </a:fld>
             <a:endParaRPr lang="zh-CN" altLang="en-US"/>
           </a:p>
@@ -2585,7 +2585,7 @@
           <a:p>
             <a:fld id="{02E60DA2-A0BC-48C9-AA88-75C78721B420}" type="datetimeFigureOut">
               <a:rPr lang="zh-CN" altLang="en-US" smtClean="0"/>
-              <a:t>2018/3/3</a:t>
+              <a:t>2018/3/25</a:t>
             </a:fld>
             <a:endParaRPr lang="zh-CN" altLang="en-US"/>
           </a:p>
@@ -2929,7 +2929,7 @@
           <a:p>
             <a:fld id="{02E60DA2-A0BC-48C9-AA88-75C78721B420}" type="datetimeFigureOut">
               <a:rPr lang="zh-CN" altLang="en-US" smtClean="0"/>
-              <a:t>2018/3/3</a:t>
+              <a:t>2018/3/25</a:t>
             </a:fld>
             <a:endParaRPr lang="zh-CN" altLang="en-US"/>
           </a:p>
@@ -3151,7 +3151,7 @@
           <a:p>
             <a:fld id="{02E60DA2-A0BC-48C9-AA88-75C78721B420}" type="datetimeFigureOut">
               <a:rPr lang="zh-CN" altLang="en-US" smtClean="0"/>
-              <a:t>2018/3/3</a:t>
+              <a:t>2018/3/25</a:t>
             </a:fld>
             <a:endParaRPr lang="zh-CN" altLang="en-US"/>
           </a:p>
@@ -3472,7 +3472,7 @@
           <a:p>
             <a:fld id="{02E60DA2-A0BC-48C9-AA88-75C78721B420}" type="datetimeFigureOut">
               <a:rPr lang="zh-CN" altLang="en-US" smtClean="0"/>
-              <a:t>2018/3/3</a:t>
+              <a:t>2018/3/25</a:t>
             </a:fld>
             <a:endParaRPr lang="zh-CN" altLang="en-US"/>
           </a:p>
@@ -3710,7 +3710,7 @@
           <a:p>
             <a:fld id="{02E60DA2-A0BC-48C9-AA88-75C78721B420}" type="datetimeFigureOut">
               <a:rPr lang="zh-CN" altLang="en-US" smtClean="0"/>
-              <a:t>2018/3/3</a:t>
+              <a:t>2018/3/25</a:t>
             </a:fld>
             <a:endParaRPr lang="zh-CN" altLang="en-US"/>
           </a:p>
@@ -3948,7 +3948,7 @@
           <a:p>
             <a:fld id="{02E60DA2-A0BC-48C9-AA88-75C78721B420}" type="datetimeFigureOut">
               <a:rPr lang="zh-CN" altLang="en-US" smtClean="0"/>
-              <a:t>2018/3/3</a:t>
+              <a:t>2018/3/25</a:t>
             </a:fld>
             <a:endParaRPr lang="zh-CN" altLang="en-US"/>
           </a:p>
@@ -4247,7 +4247,7 @@
           <a:p>
             <a:fld id="{02E60DA2-A0BC-48C9-AA88-75C78721B420}" type="datetimeFigureOut">
               <a:rPr lang="zh-CN" altLang="en-US" smtClean="0"/>
-              <a:t>2018/3/3</a:t>
+              <a:t>2018/3/25</a:t>
             </a:fld>
             <a:endParaRPr lang="zh-CN" altLang="en-US"/>
           </a:p>
@@ -4536,7 +4536,7 @@
           <a:p>
             <a:fld id="{02E60DA2-A0BC-48C9-AA88-75C78721B420}" type="datetimeFigureOut">
               <a:rPr lang="zh-CN" altLang="en-US" smtClean="0"/>
-              <a:t>2018/3/3</a:t>
+              <a:t>2018/3/25</a:t>
             </a:fld>
             <a:endParaRPr lang="zh-CN" altLang="en-US"/>
           </a:p>
@@ -4972,7 +4972,7 @@
           <a:p>
             <a:fld id="{02E60DA2-A0BC-48C9-AA88-75C78721B420}" type="datetimeFigureOut">
               <a:rPr lang="zh-CN" altLang="en-US" smtClean="0"/>
-              <a:t>2018/3/3</a:t>
+              <a:t>2018/3/25</a:t>
             </a:fld>
             <a:endParaRPr lang="zh-CN" altLang="en-US"/>
           </a:p>
@@ -5137,7 +5137,7 @@
           <a:p>
             <a:fld id="{02E60DA2-A0BC-48C9-AA88-75C78721B420}" type="datetimeFigureOut">
               <a:rPr lang="zh-CN" altLang="en-US" smtClean="0"/>
-              <a:t>2018/3/3</a:t>
+              <a:t>2018/3/25</a:t>
             </a:fld>
             <a:endParaRPr lang="zh-CN" altLang="en-US"/>
           </a:p>
@@ -5274,7 +5274,7 @@
           <a:p>
             <a:fld id="{02E60DA2-A0BC-48C9-AA88-75C78721B420}" type="datetimeFigureOut">
               <a:rPr lang="zh-CN" altLang="en-US" smtClean="0"/>
-              <a:t>2018/3/3</a:t>
+              <a:t>2018/3/25</a:t>
             </a:fld>
             <a:endParaRPr lang="zh-CN" altLang="en-US"/>
           </a:p>
@@ -5609,7 +5609,7 @@
           <a:p>
             <a:fld id="{02E60DA2-A0BC-48C9-AA88-75C78721B420}" type="datetimeFigureOut">
               <a:rPr lang="zh-CN" altLang="en-US" smtClean="0"/>
-              <a:t>2018/3/3</a:t>
+              <a:t>2018/3/25</a:t>
             </a:fld>
             <a:endParaRPr lang="zh-CN" altLang="en-US"/>
           </a:p>
@@ -5921,7 +5921,7 @@
           <a:p>
             <a:fld id="{02E60DA2-A0BC-48C9-AA88-75C78721B420}" type="datetimeFigureOut">
               <a:rPr lang="zh-CN" altLang="en-US" smtClean="0"/>
-              <a:t>2018/3/3</a:t>
+              <a:t>2018/3/25</a:t>
             </a:fld>
             <a:endParaRPr lang="zh-CN" altLang="en-US"/>
           </a:p>
@@ -7781,6 +7781,11 @@
               <a:rPr lang="en-US" altLang="zh-CN" sz="2000" dirty="0"/>
               <a:t>apt-get</a:t>
             </a:r>
+            <a:r>
+              <a:rPr lang="zh-CN" altLang="en-US" sz="2000" dirty="0"/>
+              <a:t>而发布的。</a:t>
+            </a:r>
+            <a:endParaRPr lang="en-US" altLang="zh-CN" sz="2000" dirty="0"/>
           </a:p>
         </p:txBody>
       </p:sp>
@@ -7812,8 +7817,8 @@
         </p:blipFill>
         <p:spPr>
           <a:xfrm>
-            <a:off x="1624613" y="3129888"/>
-            <a:ext cx="8416031" cy="3219656"/>
+            <a:off x="2090606" y="3771900"/>
+            <a:ext cx="7747987" cy="2964088"/>
           </a:xfrm>
           <a:prstGeom prst="rect">
             <a:avLst/>
@@ -8238,69 +8243,71 @@
         </p:nvSpPr>
         <p:spPr/>
         <p:txBody>
-          <a:bodyPr/>
-          <a:lstStyle/>
-          <a:p>
-            <a:r>
-              <a:rPr lang="zh-CN" altLang="en-US" sz="2000" dirty="0"/>
+          <a:bodyPr>
+            <a:normAutofit/>
+          </a:bodyPr>
+          <a:lstStyle/>
+          <a:p>
+            <a:r>
+              <a:rPr lang="zh-CN" altLang="en-US" sz="2400" dirty="0"/>
               <a:t>获取系统以及软件的更新信息：</a:t>
             </a:r>
             <a:r>
-              <a:rPr lang="en-US" altLang="zh-CN" sz="2000" dirty="0" err="1"/>
+              <a:rPr lang="en-US" altLang="zh-CN" sz="2400" dirty="0" err="1"/>
               <a:t>sudo</a:t>
             </a:r>
             <a:r>
-              <a:rPr lang="en-US" altLang="zh-CN" sz="2000" dirty="0"/>
+              <a:rPr lang="en-US" altLang="zh-CN" sz="2400" dirty="0"/>
               <a:t>  apt  update</a:t>
             </a:r>
           </a:p>
           <a:p>
-            <a:endParaRPr lang="en-US" altLang="zh-CN" sz="2000" dirty="0"/>
-          </a:p>
-          <a:p>
-            <a:r>
-              <a:rPr lang="zh-CN" altLang="en-US" sz="2000" dirty="0"/>
+            <a:endParaRPr lang="en-US" altLang="zh-CN" sz="2400" dirty="0"/>
+          </a:p>
+          <a:p>
+            <a:r>
+              <a:rPr lang="zh-CN" altLang="en-US" sz="2400" dirty="0"/>
               <a:t>更新软件包：</a:t>
             </a:r>
             <a:r>
-              <a:rPr lang="en-US" altLang="zh-CN" sz="2000" dirty="0" err="1"/>
+              <a:rPr lang="en-US" altLang="zh-CN" sz="2400" dirty="0" err="1"/>
               <a:t>sudo</a:t>
             </a:r>
             <a:r>
-              <a:rPr lang="en-US" altLang="zh-CN" sz="2000" dirty="0"/>
+              <a:rPr lang="en-US" altLang="zh-CN" sz="2400" dirty="0"/>
               <a:t>  apt  upgrade  </a:t>
             </a:r>
             <a:r>
-              <a:rPr lang="zh-CN" altLang="en-US" sz="2000" dirty="0"/>
+              <a:rPr lang="zh-CN" altLang="en-US" sz="2400" dirty="0"/>
               <a:t>或者是  </a:t>
             </a:r>
             <a:r>
-              <a:rPr lang="en-US" altLang="zh-CN" sz="2000" dirty="0" err="1"/>
+              <a:rPr lang="en-US" altLang="zh-CN" sz="2400" dirty="0" err="1"/>
               <a:t>sudo</a:t>
             </a:r>
             <a:r>
-              <a:rPr lang="en-US" altLang="zh-CN" sz="2000" dirty="0"/>
+              <a:rPr lang="en-US" altLang="zh-CN" sz="2400" dirty="0"/>
               <a:t>  apt  full-upgrade</a:t>
             </a:r>
             <a:r>
-              <a:rPr lang="zh-CN" altLang="en-US" sz="2000" dirty="0"/>
+              <a:rPr lang="zh-CN" altLang="en-US" sz="2400" dirty="0"/>
               <a:t>，使用</a:t>
             </a:r>
             <a:r>
-              <a:rPr lang="en-US" altLang="zh-CN" sz="2000" dirty="0"/>
+              <a:rPr lang="en-US" altLang="zh-CN" sz="2400" dirty="0"/>
               <a:t>full-upgrade</a:t>
             </a:r>
             <a:r>
-              <a:rPr lang="zh-CN" altLang="en-US" sz="2000" dirty="0"/>
+              <a:rPr lang="zh-CN" altLang="en-US" sz="2400" dirty="0"/>
               <a:t>会进行整体的操作，如果一个软件的依赖关系发生变化，会先卸载软件再安装。</a:t>
             </a:r>
-            <a:endParaRPr lang="en-US" altLang="zh-CN" sz="2000" dirty="0"/>
-          </a:p>
-          <a:p>
-            <a:endParaRPr lang="en-US" altLang="zh-CN" sz="2000" dirty="0"/>
-          </a:p>
-          <a:p>
-            <a:endParaRPr lang="en-US" altLang="zh-CN" sz="2000" dirty="0"/>
+            <a:endParaRPr lang="en-US" altLang="zh-CN" sz="2400" dirty="0"/>
+          </a:p>
+          <a:p>
+            <a:endParaRPr lang="en-US" altLang="zh-CN" sz="2400" dirty="0"/>
+          </a:p>
+          <a:p>
+            <a:endParaRPr lang="en-US" altLang="zh-CN" sz="2400" dirty="0"/>
           </a:p>
         </p:txBody>
       </p:sp>

--- a/materials/slides/ch06-install-and-uninstall-software.pptx
+++ b/materials/slides/ch06-install-and-uninstall-software.pptx
@@ -8,11 +8,14 @@
   <p:sldIdLst>
     <p:sldId id="260" r:id="rId3"/>
     <p:sldId id="261" r:id="rId4"/>
-    <p:sldId id="265" r:id="rId5"/>
-    <p:sldId id="263" r:id="rId6"/>
-    <p:sldId id="266" r:id="rId7"/>
-    <p:sldId id="267" r:id="rId8"/>
-    <p:sldId id="268" r:id="rId9"/>
+    <p:sldId id="271" r:id="rId5"/>
+    <p:sldId id="265" r:id="rId6"/>
+    <p:sldId id="269" r:id="rId7"/>
+    <p:sldId id="263" r:id="rId8"/>
+    <p:sldId id="266" r:id="rId9"/>
+    <p:sldId id="267" r:id="rId10"/>
+    <p:sldId id="268" r:id="rId11"/>
+    <p:sldId id="270" r:id="rId12"/>
   </p:sldIdLst>
   <p:sldSz cx="12192000" cy="6858000"/>
   <p:notesSz cx="6858000" cy="9144000"/>
@@ -274,7 +277,7 @@
           <a:p>
             <a:fld id="{02E60DA2-A0BC-48C9-AA88-75C78721B420}" type="datetimeFigureOut">
               <a:rPr lang="zh-CN" altLang="en-US" smtClean="0"/>
-              <a:t>2018/3/25</a:t>
+              <a:t>2018/4/8</a:t>
             </a:fld>
             <a:endParaRPr lang="zh-CN" altLang="en-US"/>
           </a:p>
@@ -496,7 +499,7 @@
           <a:p>
             <a:fld id="{02E60DA2-A0BC-48C9-AA88-75C78721B420}" type="datetimeFigureOut">
               <a:rPr lang="zh-CN" altLang="en-US" smtClean="0"/>
-              <a:t>2018/3/25</a:t>
+              <a:t>2018/4/8</a:t>
             </a:fld>
             <a:endParaRPr lang="zh-CN" altLang="en-US"/>
           </a:p>
@@ -728,7 +731,7 @@
           <a:p>
             <a:fld id="{02E60DA2-A0BC-48C9-AA88-75C78721B420}" type="datetimeFigureOut">
               <a:rPr lang="zh-CN" altLang="en-US" smtClean="0"/>
-              <a:t>2018/3/25</a:t>
+              <a:t>2018/4/8</a:t>
             </a:fld>
             <a:endParaRPr lang="zh-CN" altLang="en-US"/>
           </a:p>
@@ -978,7 +981,7 @@
           <a:p>
             <a:fld id="{02E60DA2-A0BC-48C9-AA88-75C78721B420}" type="datetimeFigureOut">
               <a:rPr lang="zh-CN" altLang="en-US" smtClean="0"/>
-              <a:t>2018/3/25</a:t>
+              <a:t>2018/4/8</a:t>
             </a:fld>
             <a:endParaRPr lang="zh-CN" altLang="en-US"/>
           </a:p>
@@ -1216,7 +1219,7 @@
           <a:p>
             <a:fld id="{02E60DA2-A0BC-48C9-AA88-75C78721B420}" type="datetimeFigureOut">
               <a:rPr lang="zh-CN" altLang="en-US" smtClean="0"/>
-              <a:t>2018/3/25</a:t>
+              <a:t>2018/4/8</a:t>
             </a:fld>
             <a:endParaRPr lang="zh-CN" altLang="en-US"/>
           </a:p>
@@ -1521,7 +1524,7 @@
           <a:p>
             <a:fld id="{02E60DA2-A0BC-48C9-AA88-75C78721B420}" type="datetimeFigureOut">
               <a:rPr lang="zh-CN" altLang="en-US" smtClean="0"/>
-              <a:t>2018/3/25</a:t>
+              <a:t>2018/4/8</a:t>
             </a:fld>
             <a:endParaRPr lang="zh-CN" altLang="en-US"/>
           </a:p>
@@ -1824,7 +1827,7 @@
           <a:p>
             <a:fld id="{02E60DA2-A0BC-48C9-AA88-75C78721B420}" type="datetimeFigureOut">
               <a:rPr lang="zh-CN" altLang="en-US" smtClean="0"/>
-              <a:t>2018/3/25</a:t>
+              <a:t>2018/4/8</a:t>
             </a:fld>
             <a:endParaRPr lang="zh-CN" altLang="en-US"/>
           </a:p>
@@ -2275,7 +2278,7 @@
           <a:p>
             <a:fld id="{02E60DA2-A0BC-48C9-AA88-75C78721B420}" type="datetimeFigureOut">
               <a:rPr lang="zh-CN" altLang="en-US" smtClean="0"/>
-              <a:t>2018/3/25</a:t>
+              <a:t>2018/4/8</a:t>
             </a:fld>
             <a:endParaRPr lang="zh-CN" altLang="en-US"/>
           </a:p>
@@ -2448,7 +2451,7 @@
           <a:p>
             <a:fld id="{02E60DA2-A0BC-48C9-AA88-75C78721B420}" type="datetimeFigureOut">
               <a:rPr lang="zh-CN" altLang="en-US" smtClean="0"/>
-              <a:t>2018/3/25</a:t>
+              <a:t>2018/4/8</a:t>
             </a:fld>
             <a:endParaRPr lang="zh-CN" altLang="en-US"/>
           </a:p>
@@ -2585,7 +2588,7 @@
           <a:p>
             <a:fld id="{02E60DA2-A0BC-48C9-AA88-75C78721B420}" type="datetimeFigureOut">
               <a:rPr lang="zh-CN" altLang="en-US" smtClean="0"/>
-              <a:t>2018/3/25</a:t>
+              <a:t>2018/4/8</a:t>
             </a:fld>
             <a:endParaRPr lang="zh-CN" altLang="en-US"/>
           </a:p>
@@ -2929,7 +2932,7 @@
           <a:p>
             <a:fld id="{02E60DA2-A0BC-48C9-AA88-75C78721B420}" type="datetimeFigureOut">
               <a:rPr lang="zh-CN" altLang="en-US" smtClean="0"/>
-              <a:t>2018/3/25</a:t>
+              <a:t>2018/4/8</a:t>
             </a:fld>
             <a:endParaRPr lang="zh-CN" altLang="en-US"/>
           </a:p>
@@ -3151,7 +3154,7 @@
           <a:p>
             <a:fld id="{02E60DA2-A0BC-48C9-AA88-75C78721B420}" type="datetimeFigureOut">
               <a:rPr lang="zh-CN" altLang="en-US" smtClean="0"/>
-              <a:t>2018/3/25</a:t>
+              <a:t>2018/4/8</a:t>
             </a:fld>
             <a:endParaRPr lang="zh-CN" altLang="en-US"/>
           </a:p>
@@ -3472,7 +3475,7 @@
           <a:p>
             <a:fld id="{02E60DA2-A0BC-48C9-AA88-75C78721B420}" type="datetimeFigureOut">
               <a:rPr lang="zh-CN" altLang="en-US" smtClean="0"/>
-              <a:t>2018/3/25</a:t>
+              <a:t>2018/4/8</a:t>
             </a:fld>
             <a:endParaRPr lang="zh-CN" altLang="en-US"/>
           </a:p>
@@ -3710,7 +3713,7 @@
           <a:p>
             <a:fld id="{02E60DA2-A0BC-48C9-AA88-75C78721B420}" type="datetimeFigureOut">
               <a:rPr lang="zh-CN" altLang="en-US" smtClean="0"/>
-              <a:t>2018/3/25</a:t>
+              <a:t>2018/4/8</a:t>
             </a:fld>
             <a:endParaRPr lang="zh-CN" altLang="en-US"/>
           </a:p>
@@ -3948,7 +3951,7 @@
           <a:p>
             <a:fld id="{02E60DA2-A0BC-48C9-AA88-75C78721B420}" type="datetimeFigureOut">
               <a:rPr lang="zh-CN" altLang="en-US" smtClean="0"/>
-              <a:t>2018/3/25</a:t>
+              <a:t>2018/4/8</a:t>
             </a:fld>
             <a:endParaRPr lang="zh-CN" altLang="en-US"/>
           </a:p>
@@ -4247,7 +4250,7 @@
           <a:p>
             <a:fld id="{02E60DA2-A0BC-48C9-AA88-75C78721B420}" type="datetimeFigureOut">
               <a:rPr lang="zh-CN" altLang="en-US" smtClean="0"/>
-              <a:t>2018/3/25</a:t>
+              <a:t>2018/4/8</a:t>
             </a:fld>
             <a:endParaRPr lang="zh-CN" altLang="en-US"/>
           </a:p>
@@ -4536,7 +4539,7 @@
           <a:p>
             <a:fld id="{02E60DA2-A0BC-48C9-AA88-75C78721B420}" type="datetimeFigureOut">
               <a:rPr lang="zh-CN" altLang="en-US" smtClean="0"/>
-              <a:t>2018/3/25</a:t>
+              <a:t>2018/4/8</a:t>
             </a:fld>
             <a:endParaRPr lang="zh-CN" altLang="en-US"/>
           </a:p>
@@ -4972,7 +4975,7 @@
           <a:p>
             <a:fld id="{02E60DA2-A0BC-48C9-AA88-75C78721B420}" type="datetimeFigureOut">
               <a:rPr lang="zh-CN" altLang="en-US" smtClean="0"/>
-              <a:t>2018/3/25</a:t>
+              <a:t>2018/4/8</a:t>
             </a:fld>
             <a:endParaRPr lang="zh-CN" altLang="en-US"/>
           </a:p>
@@ -5137,7 +5140,7 @@
           <a:p>
             <a:fld id="{02E60DA2-A0BC-48C9-AA88-75C78721B420}" type="datetimeFigureOut">
               <a:rPr lang="zh-CN" altLang="en-US" smtClean="0"/>
-              <a:t>2018/3/25</a:t>
+              <a:t>2018/4/8</a:t>
             </a:fld>
             <a:endParaRPr lang="zh-CN" altLang="en-US"/>
           </a:p>
@@ -5274,7 +5277,7 @@
           <a:p>
             <a:fld id="{02E60DA2-A0BC-48C9-AA88-75C78721B420}" type="datetimeFigureOut">
               <a:rPr lang="zh-CN" altLang="en-US" smtClean="0"/>
-              <a:t>2018/3/25</a:t>
+              <a:t>2018/4/8</a:t>
             </a:fld>
             <a:endParaRPr lang="zh-CN" altLang="en-US"/>
           </a:p>
@@ -5609,7 +5612,7 @@
           <a:p>
             <a:fld id="{02E60DA2-A0BC-48C9-AA88-75C78721B420}" type="datetimeFigureOut">
               <a:rPr lang="zh-CN" altLang="en-US" smtClean="0"/>
-              <a:t>2018/3/25</a:t>
+              <a:t>2018/4/8</a:t>
             </a:fld>
             <a:endParaRPr lang="zh-CN" altLang="en-US"/>
           </a:p>
@@ -5921,7 +5924,7 @@
           <a:p>
             <a:fld id="{02E60DA2-A0BC-48C9-AA88-75C78721B420}" type="datetimeFigureOut">
               <a:rPr lang="zh-CN" altLang="en-US" smtClean="0"/>
-              <a:t>2018/3/25</a:t>
+              <a:t>2018/4/8</a:t>
             </a:fld>
             <a:endParaRPr lang="zh-CN" altLang="en-US"/>
           </a:p>
@@ -7116,6 +7119,136 @@
 </p:sld>
 </file>
 
+<file path=ppt/slides/slide10.xml><?xml version="1.0" encoding="utf-8"?>
+<p:sld xmlns:a="http://schemas.openxmlformats.org/drawingml/2006/main" xmlns:r="http://schemas.openxmlformats.org/officeDocument/2006/relationships" xmlns:p="http://schemas.openxmlformats.org/presentationml/2006/main">
+  <p:cSld>
+    <p:spTree>
+      <p:nvGrpSpPr>
+        <p:cNvPr id="1" name=""/>
+        <p:cNvGrpSpPr/>
+        <p:nvPr/>
+      </p:nvGrpSpPr>
+      <p:grpSpPr>
+        <a:xfrm>
+          <a:off x="0" y="0"/>
+          <a:ext cx="0" cy="0"/>
+          <a:chOff x="0" y="0"/>
+          <a:chExt cx="0" cy="0"/>
+        </a:xfrm>
+      </p:grpSpPr>
+      <p:sp>
+        <p:nvSpPr>
+          <p:cNvPr id="2" name="标题 1">
+            <a:extLst>
+              <a:ext uri="{FF2B5EF4-FFF2-40B4-BE49-F238E27FC236}">
+                <a16:creationId xmlns:a16="http://schemas.microsoft.com/office/drawing/2014/main" id="{8B88BACC-24DE-4087-9AB3-A099CF573089}"/>
+              </a:ext>
+            </a:extLst>
+          </p:cNvPr>
+          <p:cNvSpPr>
+            <a:spLocks noGrp="1"/>
+          </p:cNvSpPr>
+          <p:nvPr>
+            <p:ph type="title"/>
+          </p:nvPr>
+        </p:nvSpPr>
+        <p:spPr/>
+        <p:txBody>
+          <a:bodyPr/>
+          <a:lstStyle/>
+          <a:p>
+            <a:r>
+              <a:rPr lang="zh-CN" altLang="en-US"/>
+              <a:t>本节课任务</a:t>
+            </a:r>
+            <a:endParaRPr lang="zh-CN" altLang="en-US" dirty="0"/>
+          </a:p>
+        </p:txBody>
+      </p:sp>
+      <p:sp>
+        <p:nvSpPr>
+          <p:cNvPr id="3" name="内容占位符 2">
+            <a:extLst>
+              <a:ext uri="{FF2B5EF4-FFF2-40B4-BE49-F238E27FC236}">
+                <a16:creationId xmlns:a16="http://schemas.microsoft.com/office/drawing/2014/main" id="{0A1C6B17-780B-4799-8193-E52FD817AC0E}"/>
+              </a:ext>
+            </a:extLst>
+          </p:cNvPr>
+          <p:cNvSpPr>
+            <a:spLocks noGrp="1"/>
+          </p:cNvSpPr>
+          <p:nvPr>
+            <p:ph idx="1"/>
+          </p:nvPr>
+        </p:nvSpPr>
+        <p:spPr/>
+        <p:txBody>
+          <a:bodyPr>
+            <a:normAutofit/>
+          </a:bodyPr>
+          <a:lstStyle/>
+          <a:p>
+            <a:r>
+              <a:rPr lang="zh-CN" altLang="en-US" sz="2400"/>
+              <a:t>安装</a:t>
+            </a:r>
+            <a:r>
+              <a:rPr lang="en-US" altLang="zh-CN" sz="2400"/>
+              <a:t>tree</a:t>
+            </a:r>
+            <a:r>
+              <a:rPr lang="zh-CN" altLang="en-US" sz="2400"/>
+              <a:t>软件</a:t>
+            </a:r>
+            <a:endParaRPr lang="en-US" altLang="zh-CN" sz="2400"/>
+          </a:p>
+          <a:p>
+            <a:endParaRPr lang="en-US" altLang="zh-CN" sz="2400"/>
+          </a:p>
+          <a:p>
+            <a:r>
+              <a:rPr lang="zh-CN" altLang="en-US" sz="2400"/>
+              <a:t>获取系统更新信息</a:t>
+            </a:r>
+            <a:endParaRPr lang="en-US" altLang="zh-CN" sz="2400"/>
+          </a:p>
+          <a:p>
+            <a:endParaRPr lang="en-US" altLang="zh-CN" sz="2400"/>
+          </a:p>
+          <a:p>
+            <a:r>
+              <a:rPr lang="zh-CN" altLang="en-US" sz="2400"/>
+              <a:t>系统与软件升级</a:t>
+            </a:r>
+            <a:endParaRPr lang="en-US" altLang="zh-CN" sz="2400" dirty="0"/>
+          </a:p>
+          <a:p>
+            <a:pPr marL="0" indent="0">
+              <a:buNone/>
+            </a:pPr>
+            <a:endParaRPr lang="en-US" altLang="zh-CN" sz="2400" dirty="0"/>
+          </a:p>
+          <a:p>
+            <a:endParaRPr lang="en-US" altLang="zh-CN" sz="2400" dirty="0"/>
+          </a:p>
+          <a:p>
+            <a:endParaRPr lang="en-US" altLang="zh-CN" sz="2400" dirty="0"/>
+          </a:p>
+        </p:txBody>
+      </p:sp>
+    </p:spTree>
+    <p:extLst>
+      <p:ext uri="{BB962C8B-B14F-4D97-AF65-F5344CB8AC3E}">
+        <p14:creationId xmlns:p14="http://schemas.microsoft.com/office/powerpoint/2010/main" val="2725930232"/>
+      </p:ext>
+    </p:extLst>
+  </p:cSld>
+  <p:clrMapOvr>
+    <a:masterClrMapping/>
+  </p:clrMapOvr>
+</p:sld>
+</file>
+
 <file path=ppt/slides/slide2.xml><?xml version="1.0" encoding="utf-8"?>
 <p:sld xmlns:a="http://schemas.openxmlformats.org/drawingml/2006/main" xmlns:r="http://schemas.openxmlformats.org/officeDocument/2006/relationships" xmlns:p="http://schemas.openxmlformats.org/presentationml/2006/main">
   <p:cSld>
@@ -7155,6 +7288,486 @@
           <a:lstStyle/>
           <a:p>
             <a:r>
+              <a:rPr lang="en-US" altLang="zh-CN"/>
+              <a:t>Debian/Ubuntu</a:t>
+            </a:r>
+            <a:r>
+              <a:rPr lang="zh-CN" altLang="en-US"/>
+              <a:t>系列使用的软件包格式</a:t>
+            </a:r>
+            <a:endParaRPr lang="zh-CN" altLang="en-US" dirty="0"/>
+          </a:p>
+        </p:txBody>
+      </p:sp>
+      <p:sp>
+        <p:nvSpPr>
+          <p:cNvPr id="5" name="内容占位符 4">
+            <a:extLst>
+              <a:ext uri="{FF2B5EF4-FFF2-40B4-BE49-F238E27FC236}">
+                <a16:creationId xmlns:a16="http://schemas.microsoft.com/office/drawing/2014/main" id="{8161A0F3-80A7-449D-8BD1-AE485F870C86}"/>
+              </a:ext>
+            </a:extLst>
+          </p:cNvPr>
+          <p:cNvSpPr>
+            <a:spLocks noGrp="1"/>
+          </p:cNvSpPr>
+          <p:nvPr>
+            <p:ph idx="1"/>
+          </p:nvPr>
+        </p:nvSpPr>
+        <p:spPr/>
+        <p:txBody>
+          <a:bodyPr>
+            <a:normAutofit/>
+          </a:bodyPr>
+          <a:lstStyle/>
+          <a:p>
+            <a:r>
+              <a:rPr lang="en-US" altLang="zh-CN" sz="2400"/>
+              <a:t>.deb</a:t>
+            </a:r>
+            <a:r>
+              <a:rPr lang="zh-CN" altLang="en-US" sz="2400"/>
+              <a:t>格式是</a:t>
+            </a:r>
+            <a:r>
+              <a:rPr lang="en-US" altLang="zh-CN" sz="2400"/>
+              <a:t>Debian/Ubuntu</a:t>
+            </a:r>
+            <a:r>
+              <a:rPr lang="zh-CN" altLang="en-US" sz="2400"/>
+              <a:t>使用的格式。</a:t>
+            </a:r>
+            <a:endParaRPr lang="en-US" altLang="zh-CN" sz="2400"/>
+          </a:p>
+          <a:p>
+            <a:endParaRPr lang="en-US" altLang="zh-CN" sz="2400"/>
+          </a:p>
+          <a:p>
+            <a:r>
+              <a:rPr lang="en-US" altLang="zh-CN" sz="2400"/>
+              <a:t>.deb</a:t>
+            </a:r>
+            <a:r>
+              <a:rPr lang="zh-CN" altLang="en-US" sz="2400"/>
+              <a:t>文件是一个压缩包格式，可以解压软件包查看内容。</a:t>
+            </a:r>
+            <a:endParaRPr lang="en-US" altLang="zh-CN" sz="2400"/>
+          </a:p>
+          <a:p>
+            <a:endParaRPr lang="en-US" altLang="zh-CN" sz="2400"/>
+          </a:p>
+          <a:p>
+            <a:r>
+              <a:rPr lang="zh-CN" altLang="en-US" sz="2400"/>
+              <a:t>解压后的软件包就是已经编译好的程序，配置文件，手册等。</a:t>
+            </a:r>
+            <a:endParaRPr lang="en-US" altLang="zh-CN" sz="2400"/>
+          </a:p>
+          <a:p>
+            <a:endParaRPr lang="en-US" altLang="zh-CN" sz="2400"/>
+          </a:p>
+          <a:p>
+            <a:r>
+              <a:rPr lang="zh-CN" altLang="en-US" sz="2400"/>
+              <a:t>软件包中的目录结构对应于系统的目录结构，存放于系统的目录对应的位置，并记录安装信息，这就是安装过程。</a:t>
+            </a:r>
+            <a:endParaRPr lang="en-US" altLang="zh-CN" sz="2400"/>
+          </a:p>
+          <a:p>
+            <a:endParaRPr lang="en-US" altLang="zh-CN" sz="2400"/>
+          </a:p>
+          <a:p>
+            <a:endParaRPr lang="zh-CN" altLang="en-US" sz="2400"/>
+          </a:p>
+        </p:txBody>
+      </p:sp>
+    </p:spTree>
+    <p:extLst>
+      <p:ext uri="{BB962C8B-B14F-4D97-AF65-F5344CB8AC3E}">
+        <p14:creationId xmlns:p14="http://schemas.microsoft.com/office/powerpoint/2010/main" val="1283951382"/>
+      </p:ext>
+    </p:extLst>
+  </p:cSld>
+  <p:clrMapOvr>
+    <a:masterClrMapping/>
+  </p:clrMapOvr>
+</p:sld>
+</file>
+
+<file path=ppt/slides/slide3.xml><?xml version="1.0" encoding="utf-8"?>
+<p:sld xmlns:a="http://schemas.openxmlformats.org/drawingml/2006/main" xmlns:r="http://schemas.openxmlformats.org/officeDocument/2006/relationships" xmlns:p="http://schemas.openxmlformats.org/presentationml/2006/main">
+  <p:cSld>
+    <p:spTree>
+      <p:nvGrpSpPr>
+        <p:cNvPr id="1" name=""/>
+        <p:cNvGrpSpPr/>
+        <p:nvPr/>
+      </p:nvGrpSpPr>
+      <p:grpSpPr>
+        <a:xfrm>
+          <a:off x="0" y="0"/>
+          <a:ext cx="0" cy="0"/>
+          <a:chOff x="0" y="0"/>
+          <a:chExt cx="0" cy="0"/>
+        </a:xfrm>
+      </p:grpSpPr>
+      <p:sp>
+        <p:nvSpPr>
+          <p:cNvPr id="2" name="标题 1">
+            <a:extLst>
+              <a:ext uri="{FF2B5EF4-FFF2-40B4-BE49-F238E27FC236}">
+                <a16:creationId xmlns:a16="http://schemas.microsoft.com/office/drawing/2014/main" id="{8B88BACC-24DE-4087-9AB3-A099CF573089}"/>
+              </a:ext>
+            </a:extLst>
+          </p:cNvPr>
+          <p:cNvSpPr>
+            <a:spLocks noGrp="1"/>
+          </p:cNvSpPr>
+          <p:nvPr>
+            <p:ph type="title"/>
+          </p:nvPr>
+        </p:nvSpPr>
+        <p:spPr/>
+        <p:txBody>
+          <a:bodyPr/>
+          <a:lstStyle/>
+          <a:p>
+            <a:r>
+              <a:rPr lang="zh-CN" altLang="en-US"/>
+              <a:t>解压</a:t>
+            </a:r>
+            <a:r>
+              <a:rPr lang="en-US" altLang="zh-CN"/>
+              <a:t>deb</a:t>
+            </a:r>
+            <a:r>
+              <a:rPr lang="zh-CN" altLang="en-US"/>
+              <a:t>包</a:t>
+            </a:r>
+            <a:endParaRPr lang="zh-CN" altLang="en-US" dirty="0"/>
+          </a:p>
+        </p:txBody>
+      </p:sp>
+      <p:sp>
+        <p:nvSpPr>
+          <p:cNvPr id="5" name="内容占位符 4">
+            <a:extLst>
+              <a:ext uri="{FF2B5EF4-FFF2-40B4-BE49-F238E27FC236}">
+                <a16:creationId xmlns:a16="http://schemas.microsoft.com/office/drawing/2014/main" id="{8161A0F3-80A7-449D-8BD1-AE485F870C86}"/>
+              </a:ext>
+            </a:extLst>
+          </p:cNvPr>
+          <p:cNvSpPr>
+            <a:spLocks noGrp="1"/>
+          </p:cNvSpPr>
+          <p:nvPr>
+            <p:ph idx="1"/>
+          </p:nvPr>
+        </p:nvSpPr>
+        <p:spPr/>
+        <p:txBody>
+          <a:bodyPr>
+            <a:normAutofit/>
+          </a:bodyPr>
+          <a:lstStyle/>
+          <a:p>
+            <a:r>
+              <a:rPr lang="zh-CN" altLang="en-US" sz="2000"/>
+              <a:t>把</a:t>
+            </a:r>
+            <a:r>
+              <a:rPr lang="en-US" altLang="zh-CN" sz="2000"/>
+              <a:t>toilet</a:t>
+            </a:r>
+            <a:r>
+              <a:rPr lang="zh-CN" altLang="en-US" sz="2000"/>
+              <a:t>软件解压到</a:t>
+            </a:r>
+            <a:r>
+              <a:rPr lang="en-US" altLang="zh-CN" sz="2000"/>
+              <a:t>toilet</a:t>
+            </a:r>
+            <a:r>
+              <a:rPr lang="zh-CN" altLang="en-US" sz="2000"/>
+              <a:t>目录：</a:t>
+            </a:r>
+            <a:r>
+              <a:rPr lang="en-US" altLang="zh-CN" sz="2000"/>
+              <a:t>sudo  dpkg  -X  toilet_0.3-1.1_amd64.deb  toilet</a:t>
+            </a:r>
+          </a:p>
+          <a:p>
+            <a:endParaRPr lang="zh-CN" altLang="en-US" sz="2400"/>
+          </a:p>
+        </p:txBody>
+      </p:sp>
+      <p:pic>
+        <p:nvPicPr>
+          <p:cNvPr id="4" name="图片 3">
+            <a:extLst>
+              <a:ext uri="{FF2B5EF4-FFF2-40B4-BE49-F238E27FC236}">
+                <a16:creationId xmlns:a16="http://schemas.microsoft.com/office/drawing/2014/main" id="{098D025F-5A8B-48D9-9EB7-7E261B008798}"/>
+              </a:ext>
+            </a:extLst>
+          </p:cNvPr>
+          <p:cNvPicPr>
+            <a:picLocks noChangeAspect="1"/>
+          </p:cNvPicPr>
+          <p:nvPr/>
+        </p:nvPicPr>
+        <p:blipFill>
+          <a:blip r:embed="rId2">
+            <a:extLst>
+              <a:ext uri="{28A0092B-C50C-407E-A947-70E740481C1C}">
+                <a14:useLocalDpi xmlns:a14="http://schemas.microsoft.com/office/drawing/2010/main" val="0"/>
+              </a:ext>
+            </a:extLst>
+          </a:blip>
+          <a:stretch>
+            <a:fillRect/>
+          </a:stretch>
+        </p:blipFill>
+        <p:spPr>
+          <a:xfrm>
+            <a:off x="2297722" y="2052710"/>
+            <a:ext cx="7369747" cy="4783511"/>
+          </a:xfrm>
+          <a:prstGeom prst="rect">
+            <a:avLst/>
+          </a:prstGeom>
+        </p:spPr>
+      </p:pic>
+    </p:spTree>
+    <p:extLst>
+      <p:ext uri="{BB962C8B-B14F-4D97-AF65-F5344CB8AC3E}">
+        <p14:creationId xmlns:p14="http://schemas.microsoft.com/office/powerpoint/2010/main" val="1459189206"/>
+      </p:ext>
+    </p:extLst>
+  </p:cSld>
+  <p:clrMapOvr>
+    <a:masterClrMapping/>
+  </p:clrMapOvr>
+</p:sld>
+</file>
+
+<file path=ppt/slides/slide4.xml><?xml version="1.0" encoding="utf-8"?>
+<p:sld xmlns:a="http://schemas.openxmlformats.org/drawingml/2006/main" xmlns:r="http://schemas.openxmlformats.org/officeDocument/2006/relationships" xmlns:p="http://schemas.openxmlformats.org/presentationml/2006/main">
+  <p:cSld>
+    <p:spTree>
+      <p:nvGrpSpPr>
+        <p:cNvPr id="1" name=""/>
+        <p:cNvGrpSpPr/>
+        <p:nvPr/>
+      </p:nvGrpSpPr>
+      <p:grpSpPr>
+        <a:xfrm>
+          <a:off x="0" y="0"/>
+          <a:ext cx="0" cy="0"/>
+          <a:chOff x="0" y="0"/>
+          <a:chExt cx="0" cy="0"/>
+        </a:xfrm>
+      </p:grpSpPr>
+      <p:sp>
+        <p:nvSpPr>
+          <p:cNvPr id="2" name="标题 1">
+            <a:extLst>
+              <a:ext uri="{FF2B5EF4-FFF2-40B4-BE49-F238E27FC236}">
+                <a16:creationId xmlns:a16="http://schemas.microsoft.com/office/drawing/2014/main" id="{8B88BACC-24DE-4087-9AB3-A099CF573089}"/>
+              </a:ext>
+            </a:extLst>
+          </p:cNvPr>
+          <p:cNvSpPr>
+            <a:spLocks noGrp="1"/>
+          </p:cNvSpPr>
+          <p:nvPr>
+            <p:ph type="title"/>
+          </p:nvPr>
+        </p:nvSpPr>
+        <p:spPr/>
+        <p:txBody>
+          <a:bodyPr/>
+          <a:lstStyle/>
+          <a:p>
+            <a:r>
+              <a:rPr lang="en-US" altLang="zh-CN" dirty="0" err="1"/>
+              <a:t>dpkg</a:t>
+            </a:r>
+            <a:endParaRPr lang="zh-CN" altLang="en-US" dirty="0"/>
+          </a:p>
+        </p:txBody>
+      </p:sp>
+      <p:sp>
+        <p:nvSpPr>
+          <p:cNvPr id="3" name="内容占位符 2">
+            <a:extLst>
+              <a:ext uri="{FF2B5EF4-FFF2-40B4-BE49-F238E27FC236}">
+                <a16:creationId xmlns:a16="http://schemas.microsoft.com/office/drawing/2014/main" id="{0A1C6B17-780B-4799-8193-E52FD817AC0E}"/>
+              </a:ext>
+            </a:extLst>
+          </p:cNvPr>
+          <p:cNvSpPr>
+            <a:spLocks noGrp="1"/>
+          </p:cNvSpPr>
+          <p:nvPr>
+            <p:ph idx="1"/>
+          </p:nvPr>
+        </p:nvSpPr>
+        <p:spPr/>
+        <p:txBody>
+          <a:bodyPr>
+            <a:normAutofit/>
+          </a:bodyPr>
+          <a:lstStyle/>
+          <a:p>
+            <a:r>
+              <a:rPr lang="en-US" altLang="zh-CN" sz="2400"/>
+              <a:t>dpkg</a:t>
+            </a:r>
+            <a:r>
+              <a:rPr lang="zh-CN" altLang="en-US" sz="2400" dirty="0"/>
+              <a:t>是</a:t>
+            </a:r>
+            <a:r>
+              <a:rPr lang="en-US" altLang="zh-CN" sz="2400" dirty="0"/>
+              <a:t>Debian/Ubuntu</a:t>
+            </a:r>
+            <a:r>
+              <a:rPr lang="zh-CN" altLang="en-US" sz="2400" dirty="0"/>
+              <a:t>上管理本地软件包的</a:t>
+            </a:r>
+            <a:r>
+              <a:rPr lang="zh-CN" altLang="en-US" sz="2400"/>
+              <a:t>命令。</a:t>
+            </a:r>
+            <a:r>
+              <a:rPr lang="en-US" altLang="zh-CN" sz="2400"/>
+              <a:t>dpkg</a:t>
+            </a:r>
+            <a:r>
+              <a:rPr lang="zh-CN" altLang="en-US" sz="2400"/>
+              <a:t>不会联网查询软件包信息。</a:t>
+            </a:r>
+            <a:endParaRPr lang="en-US" altLang="zh-CN" sz="2400" dirty="0"/>
+          </a:p>
+          <a:p>
+            <a:endParaRPr lang="en-US" altLang="zh-CN" sz="2400" dirty="0"/>
+          </a:p>
+          <a:p>
+            <a:r>
+              <a:rPr lang="en-US" altLang="zh-CN" sz="2400" dirty="0" err="1"/>
+              <a:t>dpkg</a:t>
+            </a:r>
+            <a:r>
+              <a:rPr lang="zh-CN" altLang="en-US" sz="2400"/>
+              <a:t>示例：</a:t>
+            </a:r>
+            <a:endParaRPr lang="en-US" altLang="zh-CN" sz="2400" dirty="0"/>
+          </a:p>
+          <a:p>
+            <a:pPr marL="457200" lvl="1" indent="0">
+              <a:buNone/>
+            </a:pPr>
+            <a:r>
+              <a:rPr lang="en-US" altLang="zh-CN" sz="2000"/>
+              <a:t>sudo  dpkg  --install  vscode.deb</a:t>
+            </a:r>
+          </a:p>
+          <a:p>
+            <a:pPr marL="457200" lvl="1" indent="0">
+              <a:buNone/>
+            </a:pPr>
+            <a:r>
+              <a:rPr lang="en-US" altLang="zh-CN" sz="2000"/>
+              <a:t>sudo  dpkg  --remove  vscode</a:t>
+            </a:r>
+          </a:p>
+          <a:p>
+            <a:pPr marL="457200" lvl="1" indent="0">
+              <a:buNone/>
+            </a:pPr>
+            <a:r>
+              <a:rPr lang="en-US" altLang="zh-CN" sz="2000"/>
+              <a:t>sudo  dpkg  -l  //</a:t>
+            </a:r>
+            <a:r>
+              <a:rPr lang="zh-CN" altLang="en-US" sz="2000"/>
+              <a:t>列出所有软件包的信息</a:t>
+            </a:r>
+            <a:endParaRPr lang="en-US" altLang="zh-CN" sz="2000" dirty="0"/>
+          </a:p>
+          <a:p>
+            <a:endParaRPr lang="en-US" altLang="zh-CN" sz="2400" dirty="0"/>
+          </a:p>
+          <a:p>
+            <a:r>
+              <a:rPr lang="en-US" altLang="zh-CN" sz="2400" dirty="0" err="1"/>
+              <a:t>dpkg</a:t>
+            </a:r>
+            <a:r>
+              <a:rPr lang="zh-CN" altLang="en-US" sz="2400" dirty="0"/>
+              <a:t>不解决包依赖</a:t>
+            </a:r>
+            <a:r>
+              <a:rPr lang="zh-CN" altLang="en-US" sz="2400"/>
+              <a:t>问题。所有依赖的包都要提供才可以安装。</a:t>
+            </a:r>
+            <a:endParaRPr lang="en-US" altLang="zh-CN" sz="2400" dirty="0"/>
+          </a:p>
+        </p:txBody>
+      </p:sp>
+    </p:spTree>
+    <p:extLst>
+      <p:ext uri="{BB962C8B-B14F-4D97-AF65-F5344CB8AC3E}">
+        <p14:creationId xmlns:p14="http://schemas.microsoft.com/office/powerpoint/2010/main" val="3466496868"/>
+      </p:ext>
+    </p:extLst>
+  </p:cSld>
+  <p:clrMapOvr>
+    <a:masterClrMapping/>
+  </p:clrMapOvr>
+</p:sld>
+</file>
+
+<file path=ppt/slides/slide5.xml><?xml version="1.0" encoding="utf-8"?>
+<p:sld xmlns:a="http://schemas.openxmlformats.org/drawingml/2006/main" xmlns:r="http://schemas.openxmlformats.org/officeDocument/2006/relationships" xmlns:p="http://schemas.openxmlformats.org/presentationml/2006/main">
+  <p:cSld>
+    <p:spTree>
+      <p:nvGrpSpPr>
+        <p:cNvPr id="1" name=""/>
+        <p:cNvGrpSpPr/>
+        <p:nvPr/>
+      </p:nvGrpSpPr>
+      <p:grpSpPr>
+        <a:xfrm>
+          <a:off x="0" y="0"/>
+          <a:ext cx="0" cy="0"/>
+          <a:chOff x="0" y="0"/>
+          <a:chExt cx="0" cy="0"/>
+        </a:xfrm>
+      </p:grpSpPr>
+      <p:sp>
+        <p:nvSpPr>
+          <p:cNvPr id="2" name="标题 1">
+            <a:extLst>
+              <a:ext uri="{FF2B5EF4-FFF2-40B4-BE49-F238E27FC236}">
+                <a16:creationId xmlns:a16="http://schemas.microsoft.com/office/drawing/2014/main" id="{8B88BACC-24DE-4087-9AB3-A099CF573089}"/>
+              </a:ext>
+            </a:extLst>
+          </p:cNvPr>
+          <p:cNvSpPr>
+            <a:spLocks noGrp="1"/>
+          </p:cNvSpPr>
+          <p:nvPr>
+            <p:ph type="title"/>
+          </p:nvPr>
+        </p:nvSpPr>
+        <p:spPr/>
+        <p:txBody>
+          <a:bodyPr/>
+          <a:lstStyle/>
+          <a:p>
+            <a:r>
               <a:rPr lang="zh-CN" altLang="en-US" dirty="0"/>
               <a:t>软件安装与卸载相关的命令</a:t>
             </a:r>
@@ -7175,16 +7788,12 @@
           </p:cNvGraphicFramePr>
           <p:nvPr>
             <p:ph idx="1"/>
-            <p:extLst>
-              <p:ext uri="{D42A27DB-BD31-4B8C-83A1-F6EECF244321}">
-                <p14:modId xmlns:p14="http://schemas.microsoft.com/office/powerpoint/2010/main" val="2573619295"/>
-              </p:ext>
-            </p:extLst>
+            <p:extLst/>
           </p:nvPr>
         </p:nvGraphicFramePr>
         <p:xfrm>
           <a:off x="838200" y="1703387"/>
-          <a:ext cx="10515600" cy="3800765"/>
+          <a:ext cx="10515600" cy="3926379"/>
         </p:xfrm>
         <a:graphic>
           <a:graphicData uri="http://schemas.openxmlformats.org/drawingml/2006/table">
@@ -7216,10 +7825,10 @@
                     <a:p>
                       <a:pPr algn="r"/>
                       <a:r>
-                        <a:rPr lang="en-US" altLang="zh-CN" dirty="0"/>
+                        <a:rPr lang="en-US" altLang="zh-CN" sz="2400" dirty="0"/>
                         <a:t>apt</a:t>
                       </a:r>
-                      <a:endParaRPr lang="zh-CN" altLang="en-US" dirty="0"/>
+                      <a:endParaRPr lang="zh-CN" altLang="en-US" sz="2400" dirty="0"/>
                     </a:p>
                   </a:txBody>
                   <a:tcPr anchor="ctr"/>
@@ -7230,7 +7839,7 @@
                     <a:lstStyle/>
                     <a:p>
                       <a:r>
-                        <a:rPr lang="zh-CN" altLang="en-US" dirty="0"/>
+                        <a:rPr lang="zh-CN" altLang="en-US" sz="2400" dirty="0"/>
                         <a:t>从软件源安装软件，卸载软件，获取更新，系统更新升级等。</a:t>
                       </a:r>
                     </a:p>
@@ -7251,10 +7860,10 @@
                     <a:p>
                       <a:pPr algn="r"/>
                       <a:r>
-                        <a:rPr lang="en-US" altLang="zh-CN" dirty="0" err="1"/>
+                        <a:rPr lang="en-US" altLang="zh-CN" sz="2400" dirty="0" err="1"/>
                         <a:t>dpkg</a:t>
                       </a:r>
-                      <a:endParaRPr lang="zh-CN" altLang="en-US" dirty="0"/>
+                      <a:endParaRPr lang="zh-CN" altLang="en-US" sz="2400" dirty="0"/>
                     </a:p>
                   </a:txBody>
                   <a:tcPr anchor="ctr"/>
@@ -7265,15 +7874,15 @@
                     <a:lstStyle/>
                     <a:p>
                       <a:r>
-                        <a:rPr lang="zh-CN" altLang="en-US" dirty="0"/>
+                        <a:rPr lang="zh-CN" altLang="en-US" sz="2400" dirty="0"/>
                         <a:t>安装本地</a:t>
                       </a:r>
                       <a:r>
-                        <a:rPr lang="en-US" altLang="zh-CN" dirty="0"/>
+                        <a:rPr lang="en-US" altLang="zh-CN" sz="2400" dirty="0"/>
                         <a:t>deb</a:t>
                       </a:r>
                       <a:r>
-                        <a:rPr lang="zh-CN" altLang="en-US" dirty="0"/>
+                        <a:rPr lang="zh-CN" altLang="en-US" sz="2400" dirty="0"/>
                         <a:t>软件包，卸载软件等。</a:t>
                       </a:r>
                     </a:p>
@@ -7294,10 +7903,10 @@
                     <a:p>
                       <a:pPr algn="r"/>
                       <a:r>
-                        <a:rPr lang="en-US" altLang="zh-CN" dirty="0"/>
+                        <a:rPr lang="en-US" altLang="zh-CN" sz="2400" dirty="0"/>
                         <a:t>apt-cache</a:t>
                       </a:r>
-                      <a:endParaRPr lang="zh-CN" altLang="en-US" dirty="0"/>
+                      <a:endParaRPr lang="zh-CN" altLang="en-US" sz="2400" dirty="0"/>
                     </a:p>
                   </a:txBody>
                   <a:tcPr anchor="ctr"/>
@@ -7308,7 +7917,7 @@
                     <a:lstStyle/>
                     <a:p>
                       <a:r>
-                        <a:rPr lang="zh-CN" altLang="en-US" dirty="0"/>
+                        <a:rPr lang="zh-CN" altLang="en-US" sz="2400" dirty="0"/>
                         <a:t>从软件源搜索软件。</a:t>
                       </a:r>
                     </a:p>
@@ -7329,10 +7938,10 @@
                     <a:p>
                       <a:pPr algn="r"/>
                       <a:r>
-                        <a:rPr lang="en-US" altLang="zh-CN" dirty="0"/>
+                        <a:rPr lang="en-US" altLang="zh-CN" sz="2400" dirty="0"/>
                         <a:t>apt-get</a:t>
                       </a:r>
-                      <a:endParaRPr lang="zh-CN" altLang="en-US" dirty="0"/>
+                      <a:endParaRPr lang="zh-CN" altLang="en-US" sz="2400" dirty="0"/>
                     </a:p>
                   </a:txBody>
                   <a:tcPr anchor="ctr"/>
@@ -7343,15 +7952,15 @@
                     <a:lstStyle/>
                     <a:p>
                       <a:r>
-                        <a:rPr lang="zh-CN" altLang="en-US" dirty="0"/>
+                        <a:rPr lang="zh-CN" altLang="en-US" sz="2400" dirty="0"/>
                         <a:t>安装</a:t>
                       </a:r>
                       <a:r>
-                        <a:rPr lang="en-US" altLang="zh-CN" dirty="0"/>
+                        <a:rPr lang="en-US" altLang="zh-CN" sz="2400" dirty="0"/>
                         <a:t>/</a:t>
                       </a:r>
                       <a:r>
-                        <a:rPr lang="zh-CN" altLang="en-US" dirty="0"/>
+                        <a:rPr lang="zh-CN" altLang="en-US" sz="2400" dirty="0"/>
                         <a:t>卸载软件，系统更新等。</a:t>
                       </a:r>
                     </a:p>
@@ -7372,7 +7981,7 @@
                     <a:p>
                       <a:pPr algn="l"/>
                       <a:r>
-                        <a:rPr lang="en-US" altLang="zh-CN" dirty="0">
+                        <a:rPr lang="en-US" altLang="zh-CN" sz="2400" dirty="0">
                           <a:solidFill>
                             <a:srgbClr val="C00000"/>
                           </a:solidFill>
@@ -7380,7 +7989,7 @@
                         <a:t>apt</a:t>
                       </a:r>
                       <a:r>
-                        <a:rPr lang="zh-CN" altLang="en-US" dirty="0">
+                        <a:rPr lang="zh-CN" altLang="en-US" sz="2400" dirty="0">
                           <a:solidFill>
                             <a:srgbClr val="C00000"/>
                           </a:solidFill>
@@ -7388,7 +7997,7 @@
                         <a:t>随</a:t>
                       </a:r>
                       <a:r>
-                        <a:rPr lang="en-US" altLang="zh-CN" dirty="0">
+                        <a:rPr lang="en-US" altLang="zh-CN" sz="2400" dirty="0">
                           <a:solidFill>
                             <a:srgbClr val="C00000"/>
                           </a:solidFill>
@@ -7396,7 +8005,7 @@
                         <a:t>Ubuntu16.04</a:t>
                       </a:r>
                       <a:r>
-                        <a:rPr lang="zh-CN" altLang="en-US" dirty="0">
+                        <a:rPr lang="zh-CN" altLang="en-US" sz="2400" dirty="0">
                           <a:solidFill>
                             <a:srgbClr val="C00000"/>
                           </a:solidFill>
@@ -7404,7 +8013,7 @@
                         <a:t>一起发布。目的在于提供完整的更加结构化的功能，基本上整合了</a:t>
                       </a:r>
                       <a:r>
-                        <a:rPr lang="en-US" altLang="zh-CN" dirty="0">
+                        <a:rPr lang="en-US" altLang="zh-CN" sz="2400" dirty="0">
                           <a:solidFill>
                             <a:srgbClr val="C00000"/>
                           </a:solidFill>
@@ -7412,7 +8021,7 @@
                         <a:t>apt-get , apt-cache , apt-config</a:t>
                       </a:r>
                       <a:r>
-                        <a:rPr lang="zh-CN" altLang="en-US" dirty="0">
+                        <a:rPr lang="zh-CN" altLang="en-US" sz="2400" dirty="0">
                           <a:solidFill>
                             <a:srgbClr val="C00000"/>
                           </a:solidFill>
@@ -7446,563 +8055,7 @@
     </p:spTree>
     <p:extLst>
       <p:ext uri="{BB962C8B-B14F-4D97-AF65-F5344CB8AC3E}">
-        <p14:creationId xmlns:p14="http://schemas.microsoft.com/office/powerpoint/2010/main" val="1283951382"/>
-      </p:ext>
-    </p:extLst>
-  </p:cSld>
-  <p:clrMapOvr>
-    <a:masterClrMapping/>
-  </p:clrMapOvr>
-</p:sld>
-</file>
-
-<file path=ppt/slides/slide3.xml><?xml version="1.0" encoding="utf-8"?>
-<p:sld xmlns:a="http://schemas.openxmlformats.org/drawingml/2006/main" xmlns:r="http://schemas.openxmlformats.org/officeDocument/2006/relationships" xmlns:p="http://schemas.openxmlformats.org/presentationml/2006/main">
-  <p:cSld>
-    <p:spTree>
-      <p:nvGrpSpPr>
-        <p:cNvPr id="1" name=""/>
-        <p:cNvGrpSpPr/>
-        <p:nvPr/>
-      </p:nvGrpSpPr>
-      <p:grpSpPr>
-        <a:xfrm>
-          <a:off x="0" y="0"/>
-          <a:ext cx="0" cy="0"/>
-          <a:chOff x="0" y="0"/>
-          <a:chExt cx="0" cy="0"/>
-        </a:xfrm>
-      </p:grpSpPr>
-      <p:sp>
-        <p:nvSpPr>
-          <p:cNvPr id="2" name="标题 1">
-            <a:extLst>
-              <a:ext uri="{FF2B5EF4-FFF2-40B4-BE49-F238E27FC236}">
-                <a16:creationId xmlns:a16="http://schemas.microsoft.com/office/drawing/2014/main" id="{8B88BACC-24DE-4087-9AB3-A099CF573089}"/>
-              </a:ext>
-            </a:extLst>
-          </p:cNvPr>
-          <p:cNvSpPr>
-            <a:spLocks noGrp="1"/>
-          </p:cNvSpPr>
-          <p:nvPr>
-            <p:ph type="title"/>
-          </p:nvPr>
-        </p:nvSpPr>
-        <p:spPr/>
-        <p:txBody>
-          <a:bodyPr/>
-          <a:lstStyle/>
-          <a:p>
-            <a:r>
-              <a:rPr lang="en-US" altLang="zh-CN" dirty="0" err="1"/>
-              <a:t>dpkg</a:t>
-            </a:r>
-            <a:endParaRPr lang="zh-CN" altLang="en-US" dirty="0"/>
-          </a:p>
-        </p:txBody>
-      </p:sp>
-      <p:sp>
-        <p:nvSpPr>
-          <p:cNvPr id="3" name="内容占位符 2">
-            <a:extLst>
-              <a:ext uri="{FF2B5EF4-FFF2-40B4-BE49-F238E27FC236}">
-                <a16:creationId xmlns:a16="http://schemas.microsoft.com/office/drawing/2014/main" id="{0A1C6B17-780B-4799-8193-E52FD817AC0E}"/>
-              </a:ext>
-            </a:extLst>
-          </p:cNvPr>
-          <p:cNvSpPr>
-            <a:spLocks noGrp="1"/>
-          </p:cNvSpPr>
-          <p:nvPr>
-            <p:ph idx="1"/>
-          </p:nvPr>
-        </p:nvSpPr>
-        <p:spPr/>
-        <p:txBody>
-          <a:bodyPr/>
-          <a:lstStyle/>
-          <a:p>
-            <a:r>
-              <a:rPr lang="en-US" altLang="zh-CN" sz="2000" dirty="0"/>
-              <a:t>Ubuntu</a:t>
-            </a:r>
-            <a:r>
-              <a:rPr lang="zh-CN" altLang="en-US" sz="2000" dirty="0"/>
-              <a:t>基于</a:t>
-            </a:r>
-            <a:r>
-              <a:rPr lang="en-US" altLang="zh-CN" sz="2000" dirty="0"/>
-              <a:t>Debian</a:t>
-            </a:r>
-            <a:r>
-              <a:rPr lang="zh-CN" altLang="en-US" sz="2000" dirty="0"/>
-              <a:t>，软件包使用</a:t>
-            </a:r>
-            <a:r>
-              <a:rPr lang="en-US" altLang="zh-CN" sz="2000" dirty="0"/>
-              <a:t>Debian</a:t>
-            </a:r>
-            <a:r>
-              <a:rPr lang="zh-CN" altLang="en-US" sz="2000" dirty="0"/>
-              <a:t>的</a:t>
-            </a:r>
-            <a:r>
-              <a:rPr lang="en-US" altLang="zh-CN" sz="2000" dirty="0"/>
-              <a:t>deb</a:t>
-            </a:r>
-            <a:r>
-              <a:rPr lang="zh-CN" altLang="en-US" sz="2000" dirty="0"/>
-              <a:t>格式，后缀名是 </a:t>
-            </a:r>
-            <a:r>
-              <a:rPr lang="en-US" altLang="zh-CN" sz="2000" dirty="0"/>
-              <a:t>.deb</a:t>
-            </a:r>
-            <a:r>
-              <a:rPr lang="zh-CN" altLang="en-US" sz="2000" dirty="0"/>
-              <a:t>。</a:t>
-            </a:r>
-            <a:endParaRPr lang="en-US" altLang="zh-CN" sz="2000" dirty="0"/>
-          </a:p>
-          <a:p>
-            <a:endParaRPr lang="en-US" altLang="zh-CN" sz="2000" dirty="0"/>
-          </a:p>
-          <a:p>
-            <a:r>
-              <a:rPr lang="en-US" altLang="zh-CN" sz="2000" dirty="0" err="1"/>
-              <a:t>dpkg</a:t>
-            </a:r>
-            <a:r>
-              <a:rPr lang="zh-CN" altLang="en-US" sz="2000" dirty="0"/>
-              <a:t>是</a:t>
-            </a:r>
-            <a:r>
-              <a:rPr lang="en-US" altLang="zh-CN" sz="2000" dirty="0"/>
-              <a:t>Debian/Ubuntu</a:t>
-            </a:r>
-            <a:r>
-              <a:rPr lang="zh-CN" altLang="en-US" sz="2000" dirty="0"/>
-              <a:t>上管理本地软件包的命令。在</a:t>
-            </a:r>
-            <a:r>
-              <a:rPr lang="en-US" altLang="zh-CN" sz="2000" dirty="0"/>
-              <a:t>/</a:t>
-            </a:r>
-            <a:r>
-              <a:rPr lang="en-US" altLang="zh-CN" sz="2000" dirty="0" err="1"/>
-              <a:t>var</a:t>
-            </a:r>
-            <a:r>
-              <a:rPr lang="en-US" altLang="zh-CN" sz="2000" dirty="0"/>
-              <a:t>/lib/</a:t>
-            </a:r>
-            <a:r>
-              <a:rPr lang="en-US" altLang="zh-CN" sz="2000" dirty="0" err="1"/>
-              <a:t>dpkg</a:t>
-            </a:r>
-            <a:r>
-              <a:rPr lang="zh-CN" altLang="en-US" sz="2000" dirty="0"/>
-              <a:t>目录下包含了软件包的信息。</a:t>
-            </a:r>
-            <a:endParaRPr lang="en-US" altLang="zh-CN" sz="2000" dirty="0"/>
-          </a:p>
-          <a:p>
-            <a:endParaRPr lang="en-US" altLang="zh-CN" sz="2000" dirty="0"/>
-          </a:p>
-          <a:p>
-            <a:r>
-              <a:rPr lang="en-US" altLang="zh-CN" sz="2000" dirty="0" err="1"/>
-              <a:t>dpkg</a:t>
-            </a:r>
-            <a:r>
-              <a:rPr lang="zh-CN" altLang="en-US" sz="2000" dirty="0"/>
-              <a:t>示例：</a:t>
-            </a:r>
-            <a:endParaRPr lang="en-US" altLang="zh-CN" sz="2000" dirty="0"/>
-          </a:p>
-          <a:p>
-            <a:endParaRPr lang="en-US" altLang="zh-CN" sz="2000" dirty="0"/>
-          </a:p>
-          <a:p>
-            <a:endParaRPr lang="en-US" altLang="zh-CN" sz="2000" dirty="0"/>
-          </a:p>
-          <a:p>
-            <a:r>
-              <a:rPr lang="en-US" altLang="zh-CN" sz="2000" dirty="0" err="1"/>
-              <a:t>dpkg</a:t>
-            </a:r>
-            <a:r>
-              <a:rPr lang="zh-CN" altLang="en-US" sz="2000" dirty="0"/>
-              <a:t>不解决包依赖问题。</a:t>
-            </a:r>
-            <a:endParaRPr lang="en-US" altLang="zh-CN" sz="2000" dirty="0"/>
-          </a:p>
-        </p:txBody>
-      </p:sp>
-    </p:spTree>
-    <p:extLst>
-      <p:ext uri="{BB962C8B-B14F-4D97-AF65-F5344CB8AC3E}">
-        <p14:creationId xmlns:p14="http://schemas.microsoft.com/office/powerpoint/2010/main" val="3466496868"/>
-      </p:ext>
-    </p:extLst>
-  </p:cSld>
-  <p:clrMapOvr>
-    <a:masterClrMapping/>
-  </p:clrMapOvr>
-</p:sld>
-</file>
-
-<file path=ppt/slides/slide4.xml><?xml version="1.0" encoding="utf-8"?>
-<p:sld xmlns:a="http://schemas.openxmlformats.org/drawingml/2006/main" xmlns:r="http://schemas.openxmlformats.org/officeDocument/2006/relationships" xmlns:p="http://schemas.openxmlformats.org/presentationml/2006/main">
-  <p:cSld>
-    <p:spTree>
-      <p:nvGrpSpPr>
-        <p:cNvPr id="1" name=""/>
-        <p:cNvGrpSpPr/>
-        <p:nvPr/>
-      </p:nvGrpSpPr>
-      <p:grpSpPr>
-        <a:xfrm>
-          <a:off x="0" y="0"/>
-          <a:ext cx="0" cy="0"/>
-          <a:chOff x="0" y="0"/>
-          <a:chExt cx="0" cy="0"/>
-        </a:xfrm>
-      </p:grpSpPr>
-      <p:sp>
-        <p:nvSpPr>
-          <p:cNvPr id="2" name="标题 1">
-            <a:extLst>
-              <a:ext uri="{FF2B5EF4-FFF2-40B4-BE49-F238E27FC236}">
-                <a16:creationId xmlns:a16="http://schemas.microsoft.com/office/drawing/2014/main" id="{8B88BACC-24DE-4087-9AB3-A099CF573089}"/>
-              </a:ext>
-            </a:extLst>
-          </p:cNvPr>
-          <p:cNvSpPr>
-            <a:spLocks noGrp="1"/>
-          </p:cNvSpPr>
-          <p:nvPr>
-            <p:ph type="title"/>
-          </p:nvPr>
-        </p:nvSpPr>
-        <p:spPr/>
-        <p:txBody>
-          <a:bodyPr/>
-          <a:lstStyle/>
-          <a:p>
-            <a:r>
-              <a:rPr lang="zh-CN" altLang="en-US" dirty="0"/>
-              <a:t>安装软件示例</a:t>
-            </a:r>
-          </a:p>
-        </p:txBody>
-      </p:sp>
-      <p:sp>
-        <p:nvSpPr>
-          <p:cNvPr id="3" name="内容占位符 2">
-            <a:extLst>
-              <a:ext uri="{FF2B5EF4-FFF2-40B4-BE49-F238E27FC236}">
-                <a16:creationId xmlns:a16="http://schemas.microsoft.com/office/drawing/2014/main" id="{0A1C6B17-780B-4799-8193-E52FD817AC0E}"/>
-              </a:ext>
-            </a:extLst>
-          </p:cNvPr>
-          <p:cNvSpPr>
-            <a:spLocks noGrp="1"/>
-          </p:cNvSpPr>
-          <p:nvPr>
-            <p:ph idx="1"/>
-          </p:nvPr>
-        </p:nvSpPr>
-        <p:spPr/>
-        <p:txBody>
-          <a:bodyPr/>
-          <a:lstStyle/>
-          <a:p>
-            <a:r>
-              <a:rPr lang="zh-CN" altLang="en-US" sz="2000" dirty="0"/>
-              <a:t>运行 </a:t>
-            </a:r>
-            <a:r>
-              <a:rPr lang="en-US" altLang="zh-CN" sz="2000" dirty="0" err="1"/>
-              <a:t>sudo</a:t>
-            </a:r>
-            <a:r>
-              <a:rPr lang="en-US" altLang="zh-CN" sz="2000" dirty="0"/>
-              <a:t>  apt-get  install  </a:t>
-            </a:r>
-            <a:r>
-              <a:rPr lang="en-US" altLang="zh-CN" sz="2000" dirty="0" err="1"/>
-              <a:t>sl</a:t>
-            </a:r>
-            <a:endParaRPr lang="en-US" altLang="zh-CN" sz="2000" dirty="0"/>
-          </a:p>
-          <a:p>
-            <a:r>
-              <a:rPr lang="zh-CN" altLang="en-US" sz="2000" dirty="0"/>
-              <a:t>完成后，输入</a:t>
-            </a:r>
-            <a:r>
-              <a:rPr lang="en-US" altLang="zh-CN" sz="2000" dirty="0" err="1"/>
-              <a:t>sl</a:t>
-            </a:r>
-            <a:r>
-              <a:rPr lang="zh-CN" altLang="en-US" sz="2000" dirty="0"/>
-              <a:t>查看结果</a:t>
-            </a:r>
-            <a:endParaRPr lang="en-US" altLang="zh-CN" sz="2000" dirty="0"/>
-          </a:p>
-          <a:p>
-            <a:r>
-              <a:rPr lang="en-US" altLang="zh-CN" sz="2000" dirty="0"/>
-              <a:t>apt</a:t>
-            </a:r>
-            <a:r>
-              <a:rPr lang="zh-CN" altLang="en-US" sz="2000" dirty="0"/>
-              <a:t>是一个新工具，基本的使用和</a:t>
-            </a:r>
-            <a:r>
-              <a:rPr lang="en-US" altLang="zh-CN" sz="2000" dirty="0"/>
-              <a:t>apt-get</a:t>
-            </a:r>
-            <a:r>
-              <a:rPr lang="zh-CN" altLang="en-US" sz="2000" dirty="0"/>
-              <a:t>相同，但不是完全兼容，</a:t>
-            </a:r>
-            <a:r>
-              <a:rPr lang="en-US" altLang="zh-CN" sz="2000" dirty="0"/>
-              <a:t>apt</a:t>
-            </a:r>
-            <a:r>
-              <a:rPr lang="zh-CN" altLang="en-US" sz="2000" dirty="0"/>
-              <a:t>是为了替代</a:t>
-            </a:r>
-            <a:r>
-              <a:rPr lang="en-US" altLang="zh-CN" sz="2000" dirty="0"/>
-              <a:t>apt-get</a:t>
-            </a:r>
-            <a:r>
-              <a:rPr lang="zh-CN" altLang="en-US" sz="2000" dirty="0"/>
-              <a:t>而发布的。</a:t>
-            </a:r>
-            <a:endParaRPr lang="en-US" altLang="zh-CN" sz="2000" dirty="0"/>
-          </a:p>
-        </p:txBody>
-      </p:sp>
-      <p:pic>
-        <p:nvPicPr>
-          <p:cNvPr id="5" name="图片 4">
-            <a:extLst>
-              <a:ext uri="{FF2B5EF4-FFF2-40B4-BE49-F238E27FC236}">
-                <a16:creationId xmlns:a16="http://schemas.microsoft.com/office/drawing/2014/main" id="{AD0E1C07-4535-4A39-A3DF-BA9E219363DD}"/>
-              </a:ext>
-            </a:extLst>
-          </p:cNvPr>
-          <p:cNvPicPr>
-            <a:picLocks noChangeAspect="1"/>
-          </p:cNvPicPr>
-          <p:nvPr/>
-        </p:nvPicPr>
-        <p:blipFill>
-          <a:blip r:embed="rId2">
-            <a:extLst>
-              <a:ext uri="{28A0092B-C50C-407E-A947-70E740481C1C}">
-                <a14:useLocalDpi xmlns:a14="http://schemas.microsoft.com/office/drawing/2010/main" val="0"/>
-              </a:ext>
-            </a:extLst>
-          </a:blip>
-          <a:stretch>
-            <a:fillRect/>
-          </a:stretch>
-        </p:blipFill>
-        <p:spPr>
-          <a:xfrm>
-            <a:off x="2090606" y="3771900"/>
-            <a:ext cx="7747987" cy="2964088"/>
-          </a:xfrm>
-          <a:prstGeom prst="rect">
-            <a:avLst/>
-          </a:prstGeom>
-        </p:spPr>
-      </p:pic>
-    </p:spTree>
-    <p:extLst>
-      <p:ext uri="{BB962C8B-B14F-4D97-AF65-F5344CB8AC3E}">
-        <p14:creationId xmlns:p14="http://schemas.microsoft.com/office/powerpoint/2010/main" val="11590185"/>
-      </p:ext>
-    </p:extLst>
-  </p:cSld>
-  <p:clrMapOvr>
-    <a:masterClrMapping/>
-  </p:clrMapOvr>
-</p:sld>
-</file>
-
-<file path=ppt/slides/slide5.xml><?xml version="1.0" encoding="utf-8"?>
-<p:sld xmlns:a="http://schemas.openxmlformats.org/drawingml/2006/main" xmlns:r="http://schemas.openxmlformats.org/officeDocument/2006/relationships" xmlns:p="http://schemas.openxmlformats.org/presentationml/2006/main">
-  <p:cSld>
-    <p:spTree>
-      <p:nvGrpSpPr>
-        <p:cNvPr id="1" name=""/>
-        <p:cNvGrpSpPr/>
-        <p:nvPr/>
-      </p:nvGrpSpPr>
-      <p:grpSpPr>
-        <a:xfrm>
-          <a:off x="0" y="0"/>
-          <a:ext cx="0" cy="0"/>
-          <a:chOff x="0" y="0"/>
-          <a:chExt cx="0" cy="0"/>
-        </a:xfrm>
-      </p:grpSpPr>
-      <p:sp>
-        <p:nvSpPr>
-          <p:cNvPr id="2" name="标题 1">
-            <a:extLst>
-              <a:ext uri="{FF2B5EF4-FFF2-40B4-BE49-F238E27FC236}">
-                <a16:creationId xmlns:a16="http://schemas.microsoft.com/office/drawing/2014/main" id="{8B88BACC-24DE-4087-9AB3-A099CF573089}"/>
-              </a:ext>
-            </a:extLst>
-          </p:cNvPr>
-          <p:cNvSpPr>
-            <a:spLocks noGrp="1"/>
-          </p:cNvSpPr>
-          <p:nvPr>
-            <p:ph type="title"/>
-          </p:nvPr>
-        </p:nvSpPr>
-        <p:spPr/>
-        <p:txBody>
-          <a:bodyPr/>
-          <a:lstStyle/>
-          <a:p>
-            <a:r>
-              <a:rPr lang="en-US" altLang="zh-CN" dirty="0"/>
-              <a:t>apt</a:t>
-            </a:r>
-            <a:r>
-              <a:rPr lang="zh-CN" altLang="en-US" dirty="0"/>
-              <a:t>与软件源</a:t>
-            </a:r>
-          </a:p>
-        </p:txBody>
-      </p:sp>
-      <p:sp>
-        <p:nvSpPr>
-          <p:cNvPr id="3" name="内容占位符 2">
-            <a:extLst>
-              <a:ext uri="{FF2B5EF4-FFF2-40B4-BE49-F238E27FC236}">
-                <a16:creationId xmlns:a16="http://schemas.microsoft.com/office/drawing/2014/main" id="{0A1C6B17-780B-4799-8193-E52FD817AC0E}"/>
-              </a:ext>
-            </a:extLst>
-          </p:cNvPr>
-          <p:cNvSpPr>
-            <a:spLocks noGrp="1"/>
-          </p:cNvSpPr>
-          <p:nvPr>
-            <p:ph idx="1"/>
-          </p:nvPr>
-        </p:nvSpPr>
-        <p:spPr/>
-        <p:txBody>
-          <a:bodyPr/>
-          <a:lstStyle/>
-          <a:p>
-            <a:r>
-              <a:rPr lang="en-US" altLang="zh-CN" sz="2000" dirty="0"/>
-              <a:t>/</a:t>
-            </a:r>
-            <a:r>
-              <a:rPr lang="en-US" altLang="zh-CN" sz="2000" dirty="0" err="1"/>
-              <a:t>etc</a:t>
-            </a:r>
-            <a:r>
-              <a:rPr lang="en-US" altLang="zh-CN" sz="2000" dirty="0"/>
-              <a:t>/apt/</a:t>
-            </a:r>
-            <a:r>
-              <a:rPr lang="en-US" altLang="zh-CN" sz="2000" dirty="0" err="1"/>
-              <a:t>source.list</a:t>
-            </a:r>
-            <a:r>
-              <a:rPr lang="zh-CN" altLang="en-US" sz="2000" dirty="0"/>
-              <a:t>记录了软件源的地址，</a:t>
-            </a:r>
-            <a:r>
-              <a:rPr lang="en-US" altLang="zh-CN" sz="2000" dirty="0"/>
-              <a:t>#</a:t>
-            </a:r>
-            <a:r>
-              <a:rPr lang="zh-CN" altLang="en-US" sz="2000" dirty="0"/>
-              <a:t>开头表示注释。</a:t>
-            </a:r>
-            <a:endParaRPr lang="en-US" altLang="zh-CN" sz="2000" dirty="0"/>
-          </a:p>
-          <a:p>
-            <a:r>
-              <a:rPr lang="en-US" altLang="zh-CN" sz="2000" dirty="0"/>
-              <a:t>apt</a:t>
-            </a:r>
-            <a:r>
-              <a:rPr lang="zh-CN" altLang="en-US" sz="2000" dirty="0"/>
-              <a:t>安装软件时，会先从可用软件包信息中查找，找到通常会询问是否安装，确认后会从软件源下载</a:t>
-            </a:r>
-            <a:r>
-              <a:rPr lang="en-US" altLang="zh-CN" sz="2000" dirty="0"/>
-              <a:t>deb</a:t>
-            </a:r>
-            <a:r>
-              <a:rPr lang="zh-CN" altLang="en-US" sz="2000" dirty="0"/>
-              <a:t>包并安装，</a:t>
-            </a:r>
-            <a:r>
-              <a:rPr lang="en-US" altLang="zh-CN" sz="2000" dirty="0"/>
-              <a:t>apt</a:t>
-            </a:r>
-            <a:r>
-              <a:rPr lang="zh-CN" altLang="en-US" sz="2000" dirty="0"/>
-              <a:t>会解决包依赖问题。</a:t>
-            </a:r>
-            <a:endParaRPr lang="en-US" altLang="zh-CN" sz="2000" dirty="0"/>
-          </a:p>
-          <a:p>
-            <a:endParaRPr lang="en-US" altLang="zh-CN" sz="2000" dirty="0"/>
-          </a:p>
-          <a:p>
-            <a:r>
-              <a:rPr lang="zh-CN" altLang="en-US" sz="2000" dirty="0"/>
-              <a:t>可以使用使用</a:t>
-            </a:r>
-            <a:r>
-              <a:rPr lang="en-US" altLang="zh-CN" sz="2000" dirty="0"/>
-              <a:t>vim</a:t>
-            </a:r>
-            <a:r>
-              <a:rPr lang="zh-CN" altLang="en-US" sz="2000" dirty="0"/>
-              <a:t>直接编辑</a:t>
-            </a:r>
-            <a:r>
-              <a:rPr lang="en-US" altLang="zh-CN" sz="2000" dirty="0" err="1"/>
-              <a:t>source.list</a:t>
-            </a:r>
-            <a:r>
-              <a:rPr lang="zh-CN" altLang="en-US" sz="2000" dirty="0"/>
-              <a:t>文件更改软件源地址。</a:t>
-            </a:r>
-            <a:endParaRPr lang="en-US" altLang="zh-CN" sz="2000" dirty="0"/>
-          </a:p>
-          <a:p>
-            <a:endParaRPr lang="en-US" altLang="zh-CN" sz="2000" dirty="0"/>
-          </a:p>
-          <a:p>
-            <a:endParaRPr lang="en-US" altLang="zh-CN" sz="2000" dirty="0"/>
-          </a:p>
-        </p:txBody>
-      </p:sp>
-    </p:spTree>
-    <p:extLst>
-      <p:ext uri="{BB962C8B-B14F-4D97-AF65-F5344CB8AC3E}">
-        <p14:creationId xmlns:p14="http://schemas.microsoft.com/office/powerpoint/2010/main" val="3129173604"/>
+        <p14:creationId xmlns:p14="http://schemas.microsoft.com/office/powerpoint/2010/main" val="2445275308"/>
       </p:ext>
     </p:extLst>
   </p:cSld>
@@ -8047,6 +8100,203 @@
         </p:nvSpPr>
         <p:spPr/>
         <p:txBody>
+          <a:bodyPr>
+            <a:normAutofit/>
+          </a:bodyPr>
+          <a:lstStyle/>
+          <a:p>
+            <a:r>
+              <a:rPr lang="en-US" altLang="zh-CN"/>
+              <a:t>apt</a:t>
+            </a:r>
+            <a:r>
+              <a:rPr lang="zh-CN" altLang="en-US"/>
+              <a:t>安装</a:t>
+            </a:r>
+            <a:r>
+              <a:rPr lang="zh-CN" altLang="en-US" dirty="0"/>
+              <a:t>软件示例</a:t>
+            </a:r>
+          </a:p>
+        </p:txBody>
+      </p:sp>
+      <p:sp>
+        <p:nvSpPr>
+          <p:cNvPr id="3" name="内容占位符 2">
+            <a:extLst>
+              <a:ext uri="{FF2B5EF4-FFF2-40B4-BE49-F238E27FC236}">
+                <a16:creationId xmlns:a16="http://schemas.microsoft.com/office/drawing/2014/main" id="{0A1C6B17-780B-4799-8193-E52FD817AC0E}"/>
+              </a:ext>
+            </a:extLst>
+          </p:cNvPr>
+          <p:cNvSpPr>
+            <a:spLocks noGrp="1"/>
+          </p:cNvSpPr>
+          <p:nvPr>
+            <p:ph idx="1"/>
+          </p:nvPr>
+        </p:nvSpPr>
+        <p:spPr/>
+        <p:txBody>
+          <a:bodyPr>
+            <a:normAutofit/>
+          </a:bodyPr>
+          <a:lstStyle/>
+          <a:p>
+            <a:r>
+              <a:rPr lang="zh-CN" altLang="en-US" sz="2400" dirty="0"/>
+              <a:t>运行 </a:t>
+            </a:r>
+            <a:r>
+              <a:rPr lang="en-US" altLang="zh-CN" sz="2400" dirty="0" err="1"/>
+              <a:t>sudo</a:t>
+            </a:r>
+            <a:r>
+              <a:rPr lang="en-US" altLang="zh-CN" sz="2400" dirty="0"/>
+              <a:t>  apt-get  install  </a:t>
+            </a:r>
+            <a:r>
+              <a:rPr lang="en-US" altLang="zh-CN" sz="2400" dirty="0" err="1"/>
+              <a:t>sl</a:t>
+            </a:r>
+            <a:endParaRPr lang="en-US" altLang="zh-CN" sz="2400" dirty="0"/>
+          </a:p>
+          <a:p>
+            <a:r>
+              <a:rPr lang="zh-CN" altLang="en-US" sz="2400" dirty="0"/>
+              <a:t>完成后，输入</a:t>
+            </a:r>
+            <a:r>
+              <a:rPr lang="en-US" altLang="zh-CN" sz="2400" dirty="0" err="1"/>
+              <a:t>sl</a:t>
+            </a:r>
+            <a:r>
+              <a:rPr lang="zh-CN" altLang="en-US" sz="2400" dirty="0"/>
+              <a:t>查看结果</a:t>
+            </a:r>
+            <a:endParaRPr lang="en-US" altLang="zh-CN" sz="2400" dirty="0"/>
+          </a:p>
+          <a:p>
+            <a:r>
+              <a:rPr lang="en-US" altLang="zh-CN" sz="2400" dirty="0"/>
+              <a:t>apt</a:t>
+            </a:r>
+            <a:r>
+              <a:rPr lang="zh-CN" altLang="en-US" sz="2400" dirty="0"/>
+              <a:t>是一个新工具，基本的使用和</a:t>
+            </a:r>
+            <a:r>
+              <a:rPr lang="en-US" altLang="zh-CN" sz="2400" dirty="0"/>
+              <a:t>apt-get</a:t>
+            </a:r>
+            <a:r>
+              <a:rPr lang="zh-CN" altLang="en-US" sz="2400" dirty="0"/>
+              <a:t>相同，但不是完全兼容，</a:t>
+            </a:r>
+            <a:r>
+              <a:rPr lang="en-US" altLang="zh-CN" sz="2400" dirty="0"/>
+              <a:t>apt</a:t>
+            </a:r>
+            <a:r>
+              <a:rPr lang="zh-CN" altLang="en-US" sz="2400" dirty="0"/>
+              <a:t>是为了替代</a:t>
+            </a:r>
+            <a:r>
+              <a:rPr lang="en-US" altLang="zh-CN" sz="2400" dirty="0"/>
+              <a:t>apt-get</a:t>
+            </a:r>
+            <a:r>
+              <a:rPr lang="zh-CN" altLang="en-US" sz="2400" dirty="0"/>
+              <a:t>而发布的。</a:t>
+            </a:r>
+            <a:endParaRPr lang="en-US" altLang="zh-CN" sz="2400" dirty="0"/>
+          </a:p>
+        </p:txBody>
+      </p:sp>
+      <p:pic>
+        <p:nvPicPr>
+          <p:cNvPr id="5" name="图片 4">
+            <a:extLst>
+              <a:ext uri="{FF2B5EF4-FFF2-40B4-BE49-F238E27FC236}">
+                <a16:creationId xmlns:a16="http://schemas.microsoft.com/office/drawing/2014/main" id="{AD0E1C07-4535-4A39-A3DF-BA9E219363DD}"/>
+              </a:ext>
+            </a:extLst>
+          </p:cNvPr>
+          <p:cNvPicPr>
+            <a:picLocks noChangeAspect="1"/>
+          </p:cNvPicPr>
+          <p:nvPr/>
+        </p:nvPicPr>
+        <p:blipFill>
+          <a:blip r:embed="rId2">
+            <a:extLst>
+              <a:ext uri="{28A0092B-C50C-407E-A947-70E740481C1C}">
+                <a14:useLocalDpi xmlns:a14="http://schemas.microsoft.com/office/drawing/2010/main" val="0"/>
+              </a:ext>
+            </a:extLst>
+          </a:blip>
+          <a:stretch>
+            <a:fillRect/>
+          </a:stretch>
+        </p:blipFill>
+        <p:spPr>
+          <a:xfrm>
+            <a:off x="2090606" y="3771900"/>
+            <a:ext cx="7747987" cy="2964088"/>
+          </a:xfrm>
+          <a:prstGeom prst="rect">
+            <a:avLst/>
+          </a:prstGeom>
+        </p:spPr>
+      </p:pic>
+    </p:spTree>
+    <p:extLst>
+      <p:ext uri="{BB962C8B-B14F-4D97-AF65-F5344CB8AC3E}">
+        <p14:creationId xmlns:p14="http://schemas.microsoft.com/office/powerpoint/2010/main" val="11590185"/>
+      </p:ext>
+    </p:extLst>
+  </p:cSld>
+  <p:clrMapOvr>
+    <a:masterClrMapping/>
+  </p:clrMapOvr>
+</p:sld>
+</file>
+
+<file path=ppt/slides/slide7.xml><?xml version="1.0" encoding="utf-8"?>
+<p:sld xmlns:a="http://schemas.openxmlformats.org/drawingml/2006/main" xmlns:r="http://schemas.openxmlformats.org/officeDocument/2006/relationships" xmlns:p="http://schemas.openxmlformats.org/presentationml/2006/main">
+  <p:cSld>
+    <p:spTree>
+      <p:nvGrpSpPr>
+        <p:cNvPr id="1" name=""/>
+        <p:cNvGrpSpPr/>
+        <p:nvPr/>
+      </p:nvGrpSpPr>
+      <p:grpSpPr>
+        <a:xfrm>
+          <a:off x="0" y="0"/>
+          <a:ext cx="0" cy="0"/>
+          <a:chOff x="0" y="0"/>
+          <a:chExt cx="0" cy="0"/>
+        </a:xfrm>
+      </p:grpSpPr>
+      <p:sp>
+        <p:nvSpPr>
+          <p:cNvPr id="2" name="标题 1">
+            <a:extLst>
+              <a:ext uri="{FF2B5EF4-FFF2-40B4-BE49-F238E27FC236}">
+                <a16:creationId xmlns:a16="http://schemas.microsoft.com/office/drawing/2014/main" id="{8B88BACC-24DE-4087-9AB3-A099CF573089}"/>
+              </a:ext>
+            </a:extLst>
+          </p:cNvPr>
+          <p:cNvSpPr>
+            <a:spLocks noGrp="1"/>
+          </p:cNvSpPr>
+          <p:nvPr>
+            <p:ph type="title"/>
+          </p:nvPr>
+        </p:nvSpPr>
+        <p:spPr/>
+        <p:txBody>
           <a:bodyPr/>
           <a:lstStyle/>
           <a:p>
@@ -8056,6 +8306,183 @@
             </a:r>
             <a:r>
               <a:rPr lang="zh-CN" altLang="en-US" dirty="0"/>
+              <a:t>与软件源</a:t>
+            </a:r>
+          </a:p>
+        </p:txBody>
+      </p:sp>
+      <p:sp>
+        <p:nvSpPr>
+          <p:cNvPr id="3" name="内容占位符 2">
+            <a:extLst>
+              <a:ext uri="{FF2B5EF4-FFF2-40B4-BE49-F238E27FC236}">
+                <a16:creationId xmlns:a16="http://schemas.microsoft.com/office/drawing/2014/main" id="{0A1C6B17-780B-4799-8193-E52FD817AC0E}"/>
+              </a:ext>
+            </a:extLst>
+          </p:cNvPr>
+          <p:cNvSpPr>
+            <a:spLocks noGrp="1"/>
+          </p:cNvSpPr>
+          <p:nvPr>
+            <p:ph idx="1"/>
+          </p:nvPr>
+        </p:nvSpPr>
+        <p:spPr/>
+        <p:txBody>
+          <a:bodyPr/>
+          <a:lstStyle/>
+          <a:p>
+            <a:r>
+              <a:rPr lang="en-US" altLang="zh-CN" sz="2400" dirty="0"/>
+              <a:t>/</a:t>
+            </a:r>
+            <a:r>
+              <a:rPr lang="en-US" altLang="zh-CN" sz="2400" dirty="0" err="1"/>
+              <a:t>etc</a:t>
+            </a:r>
+            <a:r>
+              <a:rPr lang="en-US" altLang="zh-CN" sz="2400" dirty="0"/>
+              <a:t>/apt/</a:t>
+            </a:r>
+            <a:r>
+              <a:rPr lang="en-US" altLang="zh-CN" sz="2400" dirty="0" err="1"/>
+              <a:t>source.list</a:t>
+            </a:r>
+            <a:r>
+              <a:rPr lang="zh-CN" altLang="en-US" sz="2400" dirty="0"/>
+              <a:t>记录了软件源的地址，</a:t>
+            </a:r>
+            <a:r>
+              <a:rPr lang="en-US" altLang="zh-CN" sz="2400" dirty="0"/>
+              <a:t>#</a:t>
+            </a:r>
+            <a:r>
+              <a:rPr lang="zh-CN" altLang="en-US" sz="2400" dirty="0"/>
+              <a:t>开头表示注释。</a:t>
+            </a:r>
+            <a:endParaRPr lang="en-US" altLang="zh-CN" sz="2400" dirty="0"/>
+          </a:p>
+          <a:p>
+            <a:endParaRPr lang="en-US" altLang="zh-CN" sz="2400"/>
+          </a:p>
+          <a:p>
+            <a:r>
+              <a:rPr lang="en-US" altLang="zh-CN" sz="2400"/>
+              <a:t>apt</a:t>
+            </a:r>
+            <a:r>
+              <a:rPr lang="zh-CN" altLang="en-US" sz="2400" dirty="0"/>
+              <a:t>安装软件时，会先从可用软件包信息中查找，找到通常会询问是否安装，确认后会从软件源下载</a:t>
+            </a:r>
+            <a:r>
+              <a:rPr lang="en-US" altLang="zh-CN" sz="2400" dirty="0"/>
+              <a:t>deb</a:t>
+            </a:r>
+            <a:r>
+              <a:rPr lang="zh-CN" altLang="en-US" sz="2400" dirty="0"/>
+              <a:t>包并安装，</a:t>
+            </a:r>
+            <a:r>
+              <a:rPr lang="en-US" altLang="zh-CN" sz="2400" dirty="0"/>
+              <a:t>apt</a:t>
+            </a:r>
+            <a:r>
+              <a:rPr lang="zh-CN" altLang="en-US" sz="2400" dirty="0"/>
+              <a:t>会解决包依赖问题。</a:t>
+            </a:r>
+            <a:endParaRPr lang="en-US" altLang="zh-CN" sz="2400" dirty="0"/>
+          </a:p>
+          <a:p>
+            <a:endParaRPr lang="en-US" altLang="zh-CN" sz="2400" dirty="0"/>
+          </a:p>
+          <a:p>
+            <a:r>
+              <a:rPr lang="zh-CN" altLang="en-US" sz="2400" dirty="0"/>
+              <a:t>可以使用使用</a:t>
+            </a:r>
+            <a:r>
+              <a:rPr lang="en-US" altLang="zh-CN" sz="2400" dirty="0"/>
+              <a:t>vim</a:t>
+            </a:r>
+            <a:r>
+              <a:rPr lang="zh-CN" altLang="en-US" sz="2400" dirty="0"/>
+              <a:t>直接编辑</a:t>
+            </a:r>
+            <a:r>
+              <a:rPr lang="en-US" altLang="zh-CN" sz="2400" dirty="0" err="1"/>
+              <a:t>source.list</a:t>
+            </a:r>
+            <a:r>
+              <a:rPr lang="zh-CN" altLang="en-US" sz="2400" dirty="0"/>
+              <a:t>文件更改软件源地址。</a:t>
+            </a:r>
+            <a:endParaRPr lang="en-US" altLang="zh-CN" sz="2400" dirty="0"/>
+          </a:p>
+          <a:p>
+            <a:endParaRPr lang="en-US" altLang="zh-CN" sz="2000" dirty="0"/>
+          </a:p>
+          <a:p>
+            <a:endParaRPr lang="en-US" altLang="zh-CN" sz="2000" dirty="0"/>
+          </a:p>
+        </p:txBody>
+      </p:sp>
+    </p:spTree>
+    <p:extLst>
+      <p:ext uri="{BB962C8B-B14F-4D97-AF65-F5344CB8AC3E}">
+        <p14:creationId xmlns:p14="http://schemas.microsoft.com/office/powerpoint/2010/main" val="3129173604"/>
+      </p:ext>
+    </p:extLst>
+  </p:cSld>
+  <p:clrMapOvr>
+    <a:masterClrMapping/>
+  </p:clrMapOvr>
+</p:sld>
+</file>
+
+<file path=ppt/slides/slide8.xml><?xml version="1.0" encoding="utf-8"?>
+<p:sld xmlns:a="http://schemas.openxmlformats.org/drawingml/2006/main" xmlns:r="http://schemas.openxmlformats.org/officeDocument/2006/relationships" xmlns:p="http://schemas.openxmlformats.org/presentationml/2006/main">
+  <p:cSld>
+    <p:spTree>
+      <p:nvGrpSpPr>
+        <p:cNvPr id="1" name=""/>
+        <p:cNvGrpSpPr/>
+        <p:nvPr/>
+      </p:nvGrpSpPr>
+      <p:grpSpPr>
+        <a:xfrm>
+          <a:off x="0" y="0"/>
+          <a:ext cx="0" cy="0"/>
+          <a:chOff x="0" y="0"/>
+          <a:chExt cx="0" cy="0"/>
+        </a:xfrm>
+      </p:grpSpPr>
+      <p:sp>
+        <p:nvSpPr>
+          <p:cNvPr id="2" name="标题 1">
+            <a:extLst>
+              <a:ext uri="{FF2B5EF4-FFF2-40B4-BE49-F238E27FC236}">
+                <a16:creationId xmlns:a16="http://schemas.microsoft.com/office/drawing/2014/main" id="{8B88BACC-24DE-4087-9AB3-A099CF573089}"/>
+              </a:ext>
+            </a:extLst>
+          </p:cNvPr>
+          <p:cNvSpPr>
+            <a:spLocks noGrp="1"/>
+          </p:cNvSpPr>
+          <p:nvPr>
+            <p:ph type="title"/>
+          </p:nvPr>
+        </p:nvSpPr>
+        <p:spPr/>
+        <p:txBody>
+          <a:bodyPr/>
+          <a:lstStyle/>
+          <a:p>
+            <a:r>
+              <a:rPr lang="en-US" altLang="zh-CN" dirty="0"/>
+              <a:t>apt</a:t>
+            </a:r>
+            <a:r>
+              <a:rPr lang="zh-CN" altLang="en-US" dirty="0"/>
               <a:t>安装，卸载软件</a:t>
             </a:r>
           </a:p>
@@ -8079,90 +8506,92 @@
         </p:nvSpPr>
         <p:spPr/>
         <p:txBody>
-          <a:bodyPr/>
-          <a:lstStyle/>
-          <a:p>
-            <a:r>
-              <a:rPr lang="zh-CN" altLang="en-US" sz="2000" dirty="0"/>
+          <a:bodyPr>
+            <a:normAutofit/>
+          </a:bodyPr>
+          <a:lstStyle/>
+          <a:p>
+            <a:r>
+              <a:rPr lang="zh-CN" altLang="en-US" sz="2400" dirty="0"/>
               <a:t>安装软件：</a:t>
             </a:r>
             <a:r>
-              <a:rPr lang="en-US" altLang="zh-CN" sz="2000" dirty="0" err="1"/>
+              <a:rPr lang="en-US" altLang="zh-CN" sz="2400" dirty="0" err="1"/>
               <a:t>sudo</a:t>
             </a:r>
             <a:r>
-              <a:rPr lang="en-US" altLang="zh-CN" sz="2000" dirty="0"/>
+              <a:rPr lang="en-US" altLang="zh-CN" sz="2400" dirty="0"/>
               <a:t>  apt  install  [PACKAGE NAME]  , </a:t>
             </a:r>
             <a:r>
-              <a:rPr lang="zh-CN" altLang="en-US" sz="2000" dirty="0"/>
+              <a:rPr lang="zh-CN" altLang="en-US" sz="2400" dirty="0"/>
               <a:t>多个软件用空格分开，已安装软件会检查更新。示例：</a:t>
             </a:r>
             <a:r>
-              <a:rPr lang="en-US" altLang="zh-CN" sz="2000" dirty="0"/>
+              <a:rPr lang="en-US" altLang="zh-CN" sz="2400" dirty="0"/>
               <a:t> </a:t>
             </a:r>
             <a:r>
-              <a:rPr lang="en-US" altLang="zh-CN" sz="2000" dirty="0" err="1"/>
+              <a:rPr lang="en-US" altLang="zh-CN" sz="2400" dirty="0" err="1"/>
               <a:t>sudo</a:t>
             </a:r>
             <a:r>
-              <a:rPr lang="en-US" altLang="zh-CN" sz="2000" dirty="0"/>
+              <a:rPr lang="en-US" altLang="zh-CN" sz="2400" dirty="0"/>
               <a:t>  apt  install  atop  </a:t>
             </a:r>
             <a:r>
-              <a:rPr lang="en-US" altLang="zh-CN" sz="2000" dirty="0" err="1"/>
+              <a:rPr lang="en-US" altLang="zh-CN" sz="2400" dirty="0" err="1"/>
               <a:t>saidar</a:t>
             </a:r>
-            <a:endParaRPr lang="en-US" altLang="zh-CN" sz="2000" dirty="0"/>
-          </a:p>
-          <a:p>
-            <a:endParaRPr lang="en-US" altLang="zh-CN" sz="2000" dirty="0"/>
-          </a:p>
-          <a:p>
-            <a:r>
-              <a:rPr lang="zh-CN" altLang="en-US" sz="2000" dirty="0"/>
+            <a:endParaRPr lang="en-US" altLang="zh-CN" sz="2400" dirty="0"/>
+          </a:p>
+          <a:p>
+            <a:endParaRPr lang="en-US" altLang="zh-CN" sz="2400" dirty="0"/>
+          </a:p>
+          <a:p>
+            <a:r>
+              <a:rPr lang="zh-CN" altLang="en-US" sz="2400" dirty="0"/>
               <a:t>卸载软件：</a:t>
             </a:r>
             <a:r>
-              <a:rPr lang="en-US" altLang="zh-CN" sz="2000" dirty="0" err="1"/>
+              <a:rPr lang="en-US" altLang="zh-CN" sz="2400" dirty="0" err="1"/>
               <a:t>sudo</a:t>
             </a:r>
             <a:r>
-              <a:rPr lang="en-US" altLang="zh-CN" sz="2000" dirty="0"/>
+              <a:rPr lang="en-US" altLang="zh-CN" sz="2400" dirty="0"/>
               <a:t> apt remove [PACKAGE NAME]</a:t>
             </a:r>
             <a:r>
-              <a:rPr lang="zh-CN" altLang="en-US" sz="2000" dirty="0"/>
+              <a:rPr lang="zh-CN" altLang="en-US" sz="2400" dirty="0"/>
               <a:t>，使用形式参考安装软件。</a:t>
             </a:r>
-            <a:endParaRPr lang="en-US" altLang="zh-CN" sz="2000" dirty="0"/>
-          </a:p>
-          <a:p>
-            <a:endParaRPr lang="en-US" altLang="zh-CN" sz="2000" dirty="0"/>
-          </a:p>
-          <a:p>
-            <a:r>
-              <a:rPr lang="en-US" altLang="zh-CN" sz="2000" dirty="0" err="1"/>
+            <a:endParaRPr lang="en-US" altLang="zh-CN" sz="2400" dirty="0"/>
+          </a:p>
+          <a:p>
+            <a:endParaRPr lang="en-US" altLang="zh-CN" sz="2400" dirty="0"/>
+          </a:p>
+          <a:p>
+            <a:r>
+              <a:rPr lang="en-US" altLang="zh-CN" sz="2400" dirty="0" err="1"/>
               <a:t>sudo</a:t>
             </a:r>
             <a:r>
-              <a:rPr lang="en-US" altLang="zh-CN" sz="2000" dirty="0"/>
+              <a:rPr lang="en-US" altLang="zh-CN" sz="2400" dirty="0"/>
               <a:t>  apt  </a:t>
             </a:r>
             <a:r>
-              <a:rPr lang="en-US" altLang="zh-CN" sz="2000" dirty="0" err="1"/>
+              <a:rPr lang="en-US" altLang="zh-CN" sz="2400" dirty="0" err="1"/>
               <a:t>autoremove</a:t>
             </a:r>
             <a:r>
-              <a:rPr lang="en-US" altLang="zh-CN" sz="2000" dirty="0"/>
+              <a:rPr lang="en-US" altLang="zh-CN" sz="2400" dirty="0"/>
               <a:t>  </a:t>
             </a:r>
             <a:r>
-              <a:rPr lang="zh-CN" altLang="en-US" sz="2000" dirty="0"/>
+              <a:rPr lang="zh-CN" altLang="en-US" sz="2400" dirty="0"/>
               <a:t>会删除所有自动安装且已经不再使用的包。</a:t>
             </a:r>
-            <a:endParaRPr lang="en-US" altLang="zh-CN" sz="2000" dirty="0"/>
+            <a:endParaRPr lang="en-US" altLang="zh-CN" sz="2400" dirty="0"/>
           </a:p>
         </p:txBody>
       </p:sp>
@@ -8179,7 +8608,7 @@
 </p:sld>
 </file>
 
-<file path=ppt/slides/slide7.xml><?xml version="1.0" encoding="utf-8"?>
+<file path=ppt/slides/slide9.xml><?xml version="1.0" encoding="utf-8"?>
 <p:sld xmlns:a="http://schemas.openxmlformats.org/drawingml/2006/main" xmlns:r="http://schemas.openxmlformats.org/officeDocument/2006/relationships" xmlns:p="http://schemas.openxmlformats.org/presentationml/2006/main">
   <p:cSld>
     <p:spTree>

--- a/materials/slides/ch06-install-and-uninstall-software.pptx
+++ b/materials/slides/ch06-install-and-uninstall-software.pptx
@@ -277,7 +277,7 @@
           <a:p>
             <a:fld id="{02E60DA2-A0BC-48C9-AA88-75C78721B420}" type="datetimeFigureOut">
               <a:rPr lang="zh-CN" altLang="en-US" smtClean="0"/>
-              <a:t>2018/4/8</a:t>
+              <a:t>2018/4/9</a:t>
             </a:fld>
             <a:endParaRPr lang="zh-CN" altLang="en-US"/>
           </a:p>
@@ -499,7 +499,7 @@
           <a:p>
             <a:fld id="{02E60DA2-A0BC-48C9-AA88-75C78721B420}" type="datetimeFigureOut">
               <a:rPr lang="zh-CN" altLang="en-US" smtClean="0"/>
-              <a:t>2018/4/8</a:t>
+              <a:t>2018/4/9</a:t>
             </a:fld>
             <a:endParaRPr lang="zh-CN" altLang="en-US"/>
           </a:p>
@@ -731,7 +731,7 @@
           <a:p>
             <a:fld id="{02E60DA2-A0BC-48C9-AA88-75C78721B420}" type="datetimeFigureOut">
               <a:rPr lang="zh-CN" altLang="en-US" smtClean="0"/>
-              <a:t>2018/4/8</a:t>
+              <a:t>2018/4/9</a:t>
             </a:fld>
             <a:endParaRPr lang="zh-CN" altLang="en-US"/>
           </a:p>
@@ -981,7 +981,7 @@
           <a:p>
             <a:fld id="{02E60DA2-A0BC-48C9-AA88-75C78721B420}" type="datetimeFigureOut">
               <a:rPr lang="zh-CN" altLang="en-US" smtClean="0"/>
-              <a:t>2018/4/8</a:t>
+              <a:t>2018/4/9</a:t>
             </a:fld>
             <a:endParaRPr lang="zh-CN" altLang="en-US"/>
           </a:p>
@@ -1219,7 +1219,7 @@
           <a:p>
             <a:fld id="{02E60DA2-A0BC-48C9-AA88-75C78721B420}" type="datetimeFigureOut">
               <a:rPr lang="zh-CN" altLang="en-US" smtClean="0"/>
-              <a:t>2018/4/8</a:t>
+              <a:t>2018/4/9</a:t>
             </a:fld>
             <a:endParaRPr lang="zh-CN" altLang="en-US"/>
           </a:p>
@@ -1524,7 +1524,7 @@
           <a:p>
             <a:fld id="{02E60DA2-A0BC-48C9-AA88-75C78721B420}" type="datetimeFigureOut">
               <a:rPr lang="zh-CN" altLang="en-US" smtClean="0"/>
-              <a:t>2018/4/8</a:t>
+              <a:t>2018/4/9</a:t>
             </a:fld>
             <a:endParaRPr lang="zh-CN" altLang="en-US"/>
           </a:p>
@@ -1827,7 +1827,7 @@
           <a:p>
             <a:fld id="{02E60DA2-A0BC-48C9-AA88-75C78721B420}" type="datetimeFigureOut">
               <a:rPr lang="zh-CN" altLang="en-US" smtClean="0"/>
-              <a:t>2018/4/8</a:t>
+              <a:t>2018/4/9</a:t>
             </a:fld>
             <a:endParaRPr lang="zh-CN" altLang="en-US"/>
           </a:p>
@@ -2278,7 +2278,7 @@
           <a:p>
             <a:fld id="{02E60DA2-A0BC-48C9-AA88-75C78721B420}" type="datetimeFigureOut">
               <a:rPr lang="zh-CN" altLang="en-US" smtClean="0"/>
-              <a:t>2018/4/8</a:t>
+              <a:t>2018/4/9</a:t>
             </a:fld>
             <a:endParaRPr lang="zh-CN" altLang="en-US"/>
           </a:p>
@@ -2451,7 +2451,7 @@
           <a:p>
             <a:fld id="{02E60DA2-A0BC-48C9-AA88-75C78721B420}" type="datetimeFigureOut">
               <a:rPr lang="zh-CN" altLang="en-US" smtClean="0"/>
-              <a:t>2018/4/8</a:t>
+              <a:t>2018/4/9</a:t>
             </a:fld>
             <a:endParaRPr lang="zh-CN" altLang="en-US"/>
           </a:p>
@@ -2588,7 +2588,7 @@
           <a:p>
             <a:fld id="{02E60DA2-A0BC-48C9-AA88-75C78721B420}" type="datetimeFigureOut">
               <a:rPr lang="zh-CN" altLang="en-US" smtClean="0"/>
-              <a:t>2018/4/8</a:t>
+              <a:t>2018/4/9</a:t>
             </a:fld>
             <a:endParaRPr lang="zh-CN" altLang="en-US"/>
           </a:p>
@@ -2932,7 +2932,7 @@
           <a:p>
             <a:fld id="{02E60DA2-A0BC-48C9-AA88-75C78721B420}" type="datetimeFigureOut">
               <a:rPr lang="zh-CN" altLang="en-US" smtClean="0"/>
-              <a:t>2018/4/8</a:t>
+              <a:t>2018/4/9</a:t>
             </a:fld>
             <a:endParaRPr lang="zh-CN" altLang="en-US"/>
           </a:p>
@@ -3154,7 +3154,7 @@
           <a:p>
             <a:fld id="{02E60DA2-A0BC-48C9-AA88-75C78721B420}" type="datetimeFigureOut">
               <a:rPr lang="zh-CN" altLang="en-US" smtClean="0"/>
-              <a:t>2018/4/8</a:t>
+              <a:t>2018/4/9</a:t>
             </a:fld>
             <a:endParaRPr lang="zh-CN" altLang="en-US"/>
           </a:p>
@@ -3475,7 +3475,7 @@
           <a:p>
             <a:fld id="{02E60DA2-A0BC-48C9-AA88-75C78721B420}" type="datetimeFigureOut">
               <a:rPr lang="zh-CN" altLang="en-US" smtClean="0"/>
-              <a:t>2018/4/8</a:t>
+              <a:t>2018/4/9</a:t>
             </a:fld>
             <a:endParaRPr lang="zh-CN" altLang="en-US"/>
           </a:p>
@@ -3713,7 +3713,7 @@
           <a:p>
             <a:fld id="{02E60DA2-A0BC-48C9-AA88-75C78721B420}" type="datetimeFigureOut">
               <a:rPr lang="zh-CN" altLang="en-US" smtClean="0"/>
-              <a:t>2018/4/8</a:t>
+              <a:t>2018/4/9</a:t>
             </a:fld>
             <a:endParaRPr lang="zh-CN" altLang="en-US"/>
           </a:p>
@@ -3951,7 +3951,7 @@
           <a:p>
             <a:fld id="{02E60DA2-A0BC-48C9-AA88-75C78721B420}" type="datetimeFigureOut">
               <a:rPr lang="zh-CN" altLang="en-US" smtClean="0"/>
-              <a:t>2018/4/8</a:t>
+              <a:t>2018/4/9</a:t>
             </a:fld>
             <a:endParaRPr lang="zh-CN" altLang="en-US"/>
           </a:p>
@@ -4250,7 +4250,7 @@
           <a:p>
             <a:fld id="{02E60DA2-A0BC-48C9-AA88-75C78721B420}" type="datetimeFigureOut">
               <a:rPr lang="zh-CN" altLang="en-US" smtClean="0"/>
-              <a:t>2018/4/8</a:t>
+              <a:t>2018/4/9</a:t>
             </a:fld>
             <a:endParaRPr lang="zh-CN" altLang="en-US"/>
           </a:p>
@@ -4539,7 +4539,7 @@
           <a:p>
             <a:fld id="{02E60DA2-A0BC-48C9-AA88-75C78721B420}" type="datetimeFigureOut">
               <a:rPr lang="zh-CN" altLang="en-US" smtClean="0"/>
-              <a:t>2018/4/8</a:t>
+              <a:t>2018/4/9</a:t>
             </a:fld>
             <a:endParaRPr lang="zh-CN" altLang="en-US"/>
           </a:p>
@@ -4975,7 +4975,7 @@
           <a:p>
             <a:fld id="{02E60DA2-A0BC-48C9-AA88-75C78721B420}" type="datetimeFigureOut">
               <a:rPr lang="zh-CN" altLang="en-US" smtClean="0"/>
-              <a:t>2018/4/8</a:t>
+              <a:t>2018/4/9</a:t>
             </a:fld>
             <a:endParaRPr lang="zh-CN" altLang="en-US"/>
           </a:p>
@@ -5140,7 +5140,7 @@
           <a:p>
             <a:fld id="{02E60DA2-A0BC-48C9-AA88-75C78721B420}" type="datetimeFigureOut">
               <a:rPr lang="zh-CN" altLang="en-US" smtClean="0"/>
-              <a:t>2018/4/8</a:t>
+              <a:t>2018/4/9</a:t>
             </a:fld>
             <a:endParaRPr lang="zh-CN" altLang="en-US"/>
           </a:p>
@@ -5277,7 +5277,7 @@
           <a:p>
             <a:fld id="{02E60DA2-A0BC-48C9-AA88-75C78721B420}" type="datetimeFigureOut">
               <a:rPr lang="zh-CN" altLang="en-US" smtClean="0"/>
-              <a:t>2018/4/8</a:t>
+              <a:t>2018/4/9</a:t>
             </a:fld>
             <a:endParaRPr lang="zh-CN" altLang="en-US"/>
           </a:p>
@@ -5612,7 +5612,7 @@
           <a:p>
             <a:fld id="{02E60DA2-A0BC-48C9-AA88-75C78721B420}" type="datetimeFigureOut">
               <a:rPr lang="zh-CN" altLang="en-US" smtClean="0"/>
-              <a:t>2018/4/8</a:t>
+              <a:t>2018/4/9</a:t>
             </a:fld>
             <a:endParaRPr lang="zh-CN" altLang="en-US"/>
           </a:p>
@@ -5924,7 +5924,7 @@
           <a:p>
             <a:fld id="{02E60DA2-A0BC-48C9-AA88-75C78721B420}" type="datetimeFigureOut">
               <a:rPr lang="zh-CN" altLang="en-US" smtClean="0"/>
-              <a:t>2018/4/8</a:t>
+              <a:t>2018/4/9</a:t>
             </a:fld>
             <a:endParaRPr lang="zh-CN" altLang="en-US"/>
           </a:p>
@@ -7208,6 +7208,32 @@
           <a:p>
             <a:r>
               <a:rPr lang="zh-CN" altLang="en-US" sz="2400"/>
+              <a:t>查找含有</a:t>
+            </a:r>
+            <a:r>
+              <a:rPr lang="en-US" altLang="zh-CN" sz="2400"/>
+              <a:t>tree</a:t>
+            </a:r>
+            <a:r>
+              <a:rPr lang="zh-CN" altLang="en-US" sz="2400"/>
+              <a:t>的文件，并把结果保存到文件</a:t>
+            </a:r>
+            <a:r>
+              <a:rPr lang="en-US" altLang="zh-CN" sz="2400"/>
+              <a:t>a</a:t>
+            </a:r>
+            <a:r>
+              <a:rPr lang="zh-CN" altLang="en-US" sz="2400"/>
+              <a:t>，不要输出错误信息</a:t>
+            </a:r>
+            <a:endParaRPr lang="en-US" altLang="zh-CN" sz="2400"/>
+          </a:p>
+          <a:p>
+            <a:endParaRPr lang="en-US" altLang="zh-CN" sz="2400"/>
+          </a:p>
+          <a:p>
+            <a:r>
+              <a:rPr lang="zh-CN" altLang="en-US" sz="2400"/>
               <a:t>获取系统更新信息</a:t>
             </a:r>
             <a:endParaRPr lang="en-US" altLang="zh-CN" sz="2400"/>
@@ -7226,12 +7252,6 @@
             <a:pPr marL="0" indent="0">
               <a:buNone/>
             </a:pPr>
-            <a:endParaRPr lang="en-US" altLang="zh-CN" sz="2400" dirty="0"/>
-          </a:p>
-          <a:p>
-            <a:endParaRPr lang="en-US" altLang="zh-CN" sz="2400" dirty="0"/>
-          </a:p>
-          <a:p>
             <a:endParaRPr lang="en-US" altLang="zh-CN" sz="2400" dirty="0"/>
           </a:p>
         </p:txBody>

--- a/materials/slides/ch06-install-and-uninstall-software.pptx
+++ b/materials/slides/ch06-install-and-uninstall-software.pptx
@@ -277,7 +277,7 @@
           <a:p>
             <a:fld id="{02E60DA2-A0BC-48C9-AA88-75C78721B420}" type="datetimeFigureOut">
               <a:rPr lang="zh-CN" altLang="en-US" smtClean="0"/>
-              <a:t>2018/4/9</a:t>
+              <a:t>2018/4/12</a:t>
             </a:fld>
             <a:endParaRPr lang="zh-CN" altLang="en-US"/>
           </a:p>
@@ -499,7 +499,7 @@
           <a:p>
             <a:fld id="{02E60DA2-A0BC-48C9-AA88-75C78721B420}" type="datetimeFigureOut">
               <a:rPr lang="zh-CN" altLang="en-US" smtClean="0"/>
-              <a:t>2018/4/9</a:t>
+              <a:t>2018/4/12</a:t>
             </a:fld>
             <a:endParaRPr lang="zh-CN" altLang="en-US"/>
           </a:p>
@@ -731,7 +731,7 @@
           <a:p>
             <a:fld id="{02E60DA2-A0BC-48C9-AA88-75C78721B420}" type="datetimeFigureOut">
               <a:rPr lang="zh-CN" altLang="en-US" smtClean="0"/>
-              <a:t>2018/4/9</a:t>
+              <a:t>2018/4/12</a:t>
             </a:fld>
             <a:endParaRPr lang="zh-CN" altLang="en-US"/>
           </a:p>
@@ -981,7 +981,7 @@
           <a:p>
             <a:fld id="{02E60DA2-A0BC-48C9-AA88-75C78721B420}" type="datetimeFigureOut">
               <a:rPr lang="zh-CN" altLang="en-US" smtClean="0"/>
-              <a:t>2018/4/9</a:t>
+              <a:t>2018/4/12</a:t>
             </a:fld>
             <a:endParaRPr lang="zh-CN" altLang="en-US"/>
           </a:p>
@@ -1219,7 +1219,7 @@
           <a:p>
             <a:fld id="{02E60DA2-A0BC-48C9-AA88-75C78721B420}" type="datetimeFigureOut">
               <a:rPr lang="zh-CN" altLang="en-US" smtClean="0"/>
-              <a:t>2018/4/9</a:t>
+              <a:t>2018/4/12</a:t>
             </a:fld>
             <a:endParaRPr lang="zh-CN" altLang="en-US"/>
           </a:p>
@@ -1524,7 +1524,7 @@
           <a:p>
             <a:fld id="{02E60DA2-A0BC-48C9-AA88-75C78721B420}" type="datetimeFigureOut">
               <a:rPr lang="zh-CN" altLang="en-US" smtClean="0"/>
-              <a:t>2018/4/9</a:t>
+              <a:t>2018/4/12</a:t>
             </a:fld>
             <a:endParaRPr lang="zh-CN" altLang="en-US"/>
           </a:p>
@@ -1827,7 +1827,7 @@
           <a:p>
             <a:fld id="{02E60DA2-A0BC-48C9-AA88-75C78721B420}" type="datetimeFigureOut">
               <a:rPr lang="zh-CN" altLang="en-US" smtClean="0"/>
-              <a:t>2018/4/9</a:t>
+              <a:t>2018/4/12</a:t>
             </a:fld>
             <a:endParaRPr lang="zh-CN" altLang="en-US"/>
           </a:p>
@@ -2278,7 +2278,7 @@
           <a:p>
             <a:fld id="{02E60DA2-A0BC-48C9-AA88-75C78721B420}" type="datetimeFigureOut">
               <a:rPr lang="zh-CN" altLang="en-US" smtClean="0"/>
-              <a:t>2018/4/9</a:t>
+              <a:t>2018/4/12</a:t>
             </a:fld>
             <a:endParaRPr lang="zh-CN" altLang="en-US"/>
           </a:p>
@@ -2451,7 +2451,7 @@
           <a:p>
             <a:fld id="{02E60DA2-A0BC-48C9-AA88-75C78721B420}" type="datetimeFigureOut">
               <a:rPr lang="zh-CN" altLang="en-US" smtClean="0"/>
-              <a:t>2018/4/9</a:t>
+              <a:t>2018/4/12</a:t>
             </a:fld>
             <a:endParaRPr lang="zh-CN" altLang="en-US"/>
           </a:p>
@@ -2588,7 +2588,7 @@
           <a:p>
             <a:fld id="{02E60DA2-A0BC-48C9-AA88-75C78721B420}" type="datetimeFigureOut">
               <a:rPr lang="zh-CN" altLang="en-US" smtClean="0"/>
-              <a:t>2018/4/9</a:t>
+              <a:t>2018/4/12</a:t>
             </a:fld>
             <a:endParaRPr lang="zh-CN" altLang="en-US"/>
           </a:p>
@@ -2932,7 +2932,7 @@
           <a:p>
             <a:fld id="{02E60DA2-A0BC-48C9-AA88-75C78721B420}" type="datetimeFigureOut">
               <a:rPr lang="zh-CN" altLang="en-US" smtClean="0"/>
-              <a:t>2018/4/9</a:t>
+              <a:t>2018/4/12</a:t>
             </a:fld>
             <a:endParaRPr lang="zh-CN" altLang="en-US"/>
           </a:p>
@@ -3154,7 +3154,7 @@
           <a:p>
             <a:fld id="{02E60DA2-A0BC-48C9-AA88-75C78721B420}" type="datetimeFigureOut">
               <a:rPr lang="zh-CN" altLang="en-US" smtClean="0"/>
-              <a:t>2018/4/9</a:t>
+              <a:t>2018/4/12</a:t>
             </a:fld>
             <a:endParaRPr lang="zh-CN" altLang="en-US"/>
           </a:p>
@@ -3475,7 +3475,7 @@
           <a:p>
             <a:fld id="{02E60DA2-A0BC-48C9-AA88-75C78721B420}" type="datetimeFigureOut">
               <a:rPr lang="zh-CN" altLang="en-US" smtClean="0"/>
-              <a:t>2018/4/9</a:t>
+              <a:t>2018/4/12</a:t>
             </a:fld>
             <a:endParaRPr lang="zh-CN" altLang="en-US"/>
           </a:p>
@@ -3713,7 +3713,7 @@
           <a:p>
             <a:fld id="{02E60DA2-A0BC-48C9-AA88-75C78721B420}" type="datetimeFigureOut">
               <a:rPr lang="zh-CN" altLang="en-US" smtClean="0"/>
-              <a:t>2018/4/9</a:t>
+              <a:t>2018/4/12</a:t>
             </a:fld>
             <a:endParaRPr lang="zh-CN" altLang="en-US"/>
           </a:p>
@@ -3951,7 +3951,7 @@
           <a:p>
             <a:fld id="{02E60DA2-A0BC-48C9-AA88-75C78721B420}" type="datetimeFigureOut">
               <a:rPr lang="zh-CN" altLang="en-US" smtClean="0"/>
-              <a:t>2018/4/9</a:t>
+              <a:t>2018/4/12</a:t>
             </a:fld>
             <a:endParaRPr lang="zh-CN" altLang="en-US"/>
           </a:p>
@@ -4250,7 +4250,7 @@
           <a:p>
             <a:fld id="{02E60DA2-A0BC-48C9-AA88-75C78721B420}" type="datetimeFigureOut">
               <a:rPr lang="zh-CN" altLang="en-US" smtClean="0"/>
-              <a:t>2018/4/9</a:t>
+              <a:t>2018/4/12</a:t>
             </a:fld>
             <a:endParaRPr lang="zh-CN" altLang="en-US"/>
           </a:p>
@@ -4539,7 +4539,7 @@
           <a:p>
             <a:fld id="{02E60DA2-A0BC-48C9-AA88-75C78721B420}" type="datetimeFigureOut">
               <a:rPr lang="zh-CN" altLang="en-US" smtClean="0"/>
-              <a:t>2018/4/9</a:t>
+              <a:t>2018/4/12</a:t>
             </a:fld>
             <a:endParaRPr lang="zh-CN" altLang="en-US"/>
           </a:p>
@@ -4975,7 +4975,7 @@
           <a:p>
             <a:fld id="{02E60DA2-A0BC-48C9-AA88-75C78721B420}" type="datetimeFigureOut">
               <a:rPr lang="zh-CN" altLang="en-US" smtClean="0"/>
-              <a:t>2018/4/9</a:t>
+              <a:t>2018/4/12</a:t>
             </a:fld>
             <a:endParaRPr lang="zh-CN" altLang="en-US"/>
           </a:p>
@@ -5140,7 +5140,7 @@
           <a:p>
             <a:fld id="{02E60DA2-A0BC-48C9-AA88-75C78721B420}" type="datetimeFigureOut">
               <a:rPr lang="zh-CN" altLang="en-US" smtClean="0"/>
-              <a:t>2018/4/9</a:t>
+              <a:t>2018/4/12</a:t>
             </a:fld>
             <a:endParaRPr lang="zh-CN" altLang="en-US"/>
           </a:p>
@@ -5277,7 +5277,7 @@
           <a:p>
             <a:fld id="{02E60DA2-A0BC-48C9-AA88-75C78721B420}" type="datetimeFigureOut">
               <a:rPr lang="zh-CN" altLang="en-US" smtClean="0"/>
-              <a:t>2018/4/9</a:t>
+              <a:t>2018/4/12</a:t>
             </a:fld>
             <a:endParaRPr lang="zh-CN" altLang="en-US"/>
           </a:p>
@@ -5612,7 +5612,7 @@
           <a:p>
             <a:fld id="{02E60DA2-A0BC-48C9-AA88-75C78721B420}" type="datetimeFigureOut">
               <a:rPr lang="zh-CN" altLang="en-US" smtClean="0"/>
-              <a:t>2018/4/9</a:t>
+              <a:t>2018/4/12</a:t>
             </a:fld>
             <a:endParaRPr lang="zh-CN" altLang="en-US"/>
           </a:p>
@@ -5924,7 +5924,7 @@
           <a:p>
             <a:fld id="{02E60DA2-A0BC-48C9-AA88-75C78721B420}" type="datetimeFigureOut">
               <a:rPr lang="zh-CN" altLang="en-US" smtClean="0"/>
-              <a:t>2018/4/9</a:t>
+              <a:t>2018/4/12</a:t>
             </a:fld>
             <a:endParaRPr lang="zh-CN" altLang="en-US"/>
           </a:p>
@@ -8362,11 +8362,15 @@
             </a:r>
             <a:r>
               <a:rPr lang="en-US" altLang="zh-CN" sz="2400" dirty="0"/>
-              <a:t>/apt/</a:t>
+              <a:t>/apt</a:t>
+            </a:r>
+            <a:r>
+              <a:rPr lang="en-US" altLang="zh-CN" sz="2400"/>
+              <a:t>/sources.</a:t>
             </a:r>
             <a:r>
               <a:rPr lang="en-US" altLang="zh-CN" sz="2400" dirty="0" err="1"/>
-              <a:t>source.list</a:t>
+              <a:t>list</a:t>
             </a:r>
             <a:r>
               <a:rPr lang="zh-CN" altLang="en-US" sz="2400" dirty="0"/>
@@ -8426,11 +8430,19 @@
             </a:r>
             <a:r>
               <a:rPr lang="zh-CN" altLang="en-US" sz="2400" dirty="0"/>
-              <a:t>直接编辑</a:t>
+              <a:t>直接</a:t>
+            </a:r>
+            <a:r>
+              <a:rPr lang="zh-CN" altLang="en-US" sz="2400"/>
+              <a:t>编辑</a:t>
+            </a:r>
+            <a:r>
+              <a:rPr lang="en-US" altLang="zh-CN" sz="2400"/>
+              <a:t>sources.</a:t>
             </a:r>
             <a:r>
               <a:rPr lang="en-US" altLang="zh-CN" sz="2400" dirty="0" err="1"/>
-              <a:t>source.list</a:t>
+              <a:t>list</a:t>
             </a:r>
             <a:r>
               <a:rPr lang="zh-CN" altLang="en-US" sz="2400" dirty="0"/>
